--- a/2017_MP-40_VKR_Saburova.pptx
+++ b/2017_MP-40_VKR_Saburova.pptx
@@ -5,19 +5,20 @@
     <p:sldMasterId id="2147483840" r:id="rId1"/>
   </p:sldMasterIdLst>
   <p:notesMasterIdLst>
-    <p:notesMasterId r:id="rId12"/>
+    <p:notesMasterId r:id="rId13"/>
   </p:notesMasterIdLst>
   <p:sldIdLst>
     <p:sldId id="352" r:id="rId2"/>
     <p:sldId id="353" r:id="rId3"/>
     <p:sldId id="348" r:id="rId4"/>
     <p:sldId id="349" r:id="rId5"/>
-    <p:sldId id="342" r:id="rId6"/>
+    <p:sldId id="358" r:id="rId6"/>
     <p:sldId id="355" r:id="rId7"/>
-    <p:sldId id="340" r:id="rId8"/>
-    <p:sldId id="337" r:id="rId9"/>
-    <p:sldId id="356" r:id="rId10"/>
-    <p:sldId id="266" r:id="rId11"/>
+    <p:sldId id="359" r:id="rId8"/>
+    <p:sldId id="340" r:id="rId9"/>
+    <p:sldId id="337" r:id="rId10"/>
+    <p:sldId id="356" r:id="rId11"/>
+    <p:sldId id="266" r:id="rId12"/>
   </p:sldIdLst>
   <p:sldSz cx="12192000" cy="6858000"/>
   <p:notesSz cx="6797675" cy="9926638"/>
@@ -3895,6 +3896,762 @@
 </file>
 
 <file path=ppt/slides/slide10.xml><?xml version="1.0" encoding="utf-8"?>
+<p:sld xmlns:a="http://schemas.openxmlformats.org/drawingml/2006/main" xmlns:r="http://schemas.openxmlformats.org/officeDocument/2006/relationships" xmlns:p="http://schemas.openxmlformats.org/presentationml/2006/main">
+  <p:cSld>
+    <p:spTree>
+      <p:nvGrpSpPr>
+        <p:cNvPr id="1" name=""/>
+        <p:cNvGrpSpPr/>
+        <p:nvPr/>
+      </p:nvGrpSpPr>
+      <p:grpSpPr>
+        <a:xfrm>
+          <a:off x="0" y="0"/>
+          <a:ext cx="0" cy="0"/>
+          <a:chOff x="0" y="0"/>
+          <a:chExt cx="0" cy="0"/>
+        </a:xfrm>
+      </p:grpSpPr>
+      <mc:AlternateContent xmlns:mc="http://schemas.openxmlformats.org/markup-compatibility/2006" xmlns:a14="http://schemas.microsoft.com/office/drawing/2010/main">
+        <mc:Choice Requires="a14">
+          <p:sp>
+            <p:nvSpPr>
+              <p:cNvPr id="9" name="Прямоугольник 8"/>
+              <p:cNvSpPr/>
+              <p:nvPr/>
+            </p:nvSpPr>
+            <p:spPr>
+              <a:xfrm>
+                <a:off x="0" y="1487606"/>
+                <a:ext cx="12192000" cy="5008728"/>
+              </a:xfrm>
+              <a:prstGeom prst="rect">
+                <a:avLst/>
+              </a:prstGeom>
+              <a:solidFill>
+                <a:schemeClr val="bg1"/>
+              </a:solidFill>
+              <a:ln>
+                <a:solidFill>
+                  <a:schemeClr val="bg1"/>
+                </a:solidFill>
+              </a:ln>
+            </p:spPr>
+            <p:style>
+              <a:lnRef idx="2">
+                <a:schemeClr val="accent1">
+                  <a:shade val="50000"/>
+                </a:schemeClr>
+              </a:lnRef>
+              <a:fillRef idx="1">
+                <a:schemeClr val="accent1"/>
+              </a:fillRef>
+              <a:effectRef idx="0">
+                <a:schemeClr val="accent1"/>
+              </a:effectRef>
+              <a:fontRef idx="minor">
+                <a:schemeClr val="lt1"/>
+              </a:fontRef>
+            </p:style>
+            <p:txBody>
+              <a:bodyPr rtlCol="0" anchor="ctr"/>
+              <a:lstStyle/>
+              <a:p>
+                <a:pPr algn="ctr"/>
+                <a14:m>
+                  <m:oMath xmlns:m="http://schemas.openxmlformats.org/officeDocument/2006/math">
+                    <m:sSubSup>
+                      <m:sSubSupPr>
+                        <m:ctrlPr>
+                          <a:rPr lang="ru-RU" i="1">
+                            <a:latin typeface="Cambria Math" panose="02040503050406030204" pitchFamily="18" charset="0"/>
+                          </a:rPr>
+                        </m:ctrlPr>
+                      </m:sSubSupPr>
+                      <m:e>
+                        <m:r>
+                          <a:rPr lang="en-US" i="1">
+                            <a:latin typeface="Cambria Math" panose="02040503050406030204" pitchFamily="18" charset="0"/>
+                          </a:rPr>
+                          <m:t>𝐸</m:t>
+                        </m:r>
+                      </m:e>
+                      <m:sub>
+                        <m:r>
+                          <a:rPr lang="ru-RU" i="1">
+                            <a:latin typeface="Cambria Math" panose="02040503050406030204" pitchFamily="18" charset="0"/>
+                          </a:rPr>
+                          <m:t>0</m:t>
+                        </m:r>
+                      </m:sub>
+                      <m:sup>
+                        <m:r>
+                          <a:rPr lang="ru-RU" i="1">
+                            <a:latin typeface="Cambria Math" panose="02040503050406030204" pitchFamily="18" charset="0"/>
+                          </a:rPr>
+                          <m:t>(</m:t>
+                        </m:r>
+                        <m:r>
+                          <a:rPr lang="en-US" i="1">
+                            <a:latin typeface="Cambria Math" panose="02040503050406030204" pitchFamily="18" charset="0"/>
+                          </a:rPr>
+                          <m:t>𝑛</m:t>
+                        </m:r>
+                        <m:r>
+                          <a:rPr lang="ru-RU" i="1">
+                            <a:latin typeface="Cambria Math" panose="02040503050406030204" pitchFamily="18" charset="0"/>
+                          </a:rPr>
+                          <m:t>)</m:t>
+                        </m:r>
+                      </m:sup>
+                    </m:sSubSup>
+                    <m:r>
+                      <a:rPr lang="ru-RU" i="1">
+                        <a:latin typeface="Cambria Math" panose="02040503050406030204" pitchFamily="18" charset="0"/>
+                      </a:rPr>
+                      <m:t>,</m:t>
+                    </m:r>
+                  </m:oMath>
+                </a14:m>
+                <a:r>
+                  <a:rPr lang="ru-RU" dirty="0"/>
+                  <a:t> </a:t>
+                </a:r>
+                <a14:m>
+                  <m:oMath xmlns:m="http://schemas.openxmlformats.org/officeDocument/2006/math">
+                    <m:sSubSup>
+                      <m:sSubSupPr>
+                        <m:ctrlPr>
+                          <a:rPr lang="ru-RU" i="1">
+                            <a:latin typeface="Cambria Math" panose="02040503050406030204" pitchFamily="18" charset="0"/>
+                          </a:rPr>
+                        </m:ctrlPr>
+                      </m:sSubSupPr>
+                      <m:e>
+                        <m:r>
+                          <a:rPr lang="en-US" i="1">
+                            <a:latin typeface="Cambria Math" panose="02040503050406030204" pitchFamily="18" charset="0"/>
+                          </a:rPr>
+                          <m:t>𝐸</m:t>
+                        </m:r>
+                      </m:e>
+                      <m:sub>
+                        <m:r>
+                          <a:rPr lang="ru-RU" i="1">
+                            <a:latin typeface="Cambria Math" panose="02040503050406030204" pitchFamily="18" charset="0"/>
+                          </a:rPr>
+                          <m:t>∗</m:t>
+                        </m:r>
+                      </m:sub>
+                      <m:sup>
+                        <m:r>
+                          <a:rPr lang="ru-RU" i="1">
+                            <a:latin typeface="Cambria Math" panose="02040503050406030204" pitchFamily="18" charset="0"/>
+                          </a:rPr>
+                          <m:t>(</m:t>
+                        </m:r>
+                        <m:r>
+                          <a:rPr lang="en-US" i="1">
+                            <a:latin typeface="Cambria Math" panose="02040503050406030204" pitchFamily="18" charset="0"/>
+                          </a:rPr>
+                          <m:t>𝑛</m:t>
+                        </m:r>
+                        <m:r>
+                          <a:rPr lang="ru-RU" i="1">
+                            <a:latin typeface="Cambria Math" panose="02040503050406030204" pitchFamily="18" charset="0"/>
+                          </a:rPr>
+                          <m:t>)</m:t>
+                        </m:r>
+                      </m:sup>
+                    </m:sSubSup>
+                    <m:r>
+                      <a:rPr lang="ru-RU" i="1">
+                        <a:latin typeface="Cambria Math" panose="02040503050406030204" pitchFamily="18" charset="0"/>
+                      </a:rPr>
+                      <m:t>,</m:t>
+                    </m:r>
+                    <m:sSubSup>
+                      <m:sSubSupPr>
+                        <m:ctrlPr>
+                          <a:rPr lang="ru-RU" i="1">
+                            <a:latin typeface="Cambria Math" panose="02040503050406030204" pitchFamily="18" charset="0"/>
+                          </a:rPr>
+                        </m:ctrlPr>
+                      </m:sSubSupPr>
+                      <m:e>
+                        <m:r>
+                          <a:rPr lang="en-US" i="1">
+                            <a:latin typeface="Cambria Math" panose="02040503050406030204" pitchFamily="18" charset="0"/>
+                          </a:rPr>
+                          <m:t>𝐸</m:t>
+                        </m:r>
+                      </m:e>
+                      <m:sub>
+                        <m:r>
+                          <a:rPr lang="ru-RU" i="1">
+                            <a:latin typeface="Cambria Math" panose="02040503050406030204" pitchFamily="18" charset="0"/>
+                          </a:rPr>
+                          <m:t>1</m:t>
+                        </m:r>
+                      </m:sub>
+                      <m:sup>
+                        <m:r>
+                          <a:rPr lang="ru-RU" i="1">
+                            <a:latin typeface="Cambria Math" panose="02040503050406030204" pitchFamily="18" charset="0"/>
+                          </a:rPr>
+                          <m:t>(</m:t>
+                        </m:r>
+                        <m:r>
+                          <a:rPr lang="en-US" i="1">
+                            <a:latin typeface="Cambria Math" panose="02040503050406030204" pitchFamily="18" charset="0"/>
+                          </a:rPr>
+                          <m:t>𝑛</m:t>
+                        </m:r>
+                        <m:r>
+                          <a:rPr lang="ru-RU" i="1">
+                            <a:latin typeface="Cambria Math" panose="02040503050406030204" pitchFamily="18" charset="0"/>
+                          </a:rPr>
+                          <m:t>)</m:t>
+                        </m:r>
+                      </m:sup>
+                    </m:sSubSup>
+                  </m:oMath>
+                </a14:m>
+                <a:endParaRPr lang="ru-RU"/>
+              </a:p>
+            </p:txBody>
+          </p:sp>
+        </mc:Choice>
+        <mc:Fallback xmlns="">
+          <p:sp>
+            <p:nvSpPr>
+              <p:cNvPr id="9" name="Прямоугольник 8"/>
+              <p:cNvSpPr>
+                <a:spLocks noRot="1" noChangeAspect="1" noMove="1" noResize="1" noEditPoints="1" noAdjustHandles="1" noChangeArrowheads="1" noChangeShapeType="1" noTextEdit="1"/>
+              </p:cNvSpPr>
+              <p:nvPr/>
+            </p:nvSpPr>
+            <p:spPr>
+              <a:xfrm>
+                <a:off x="0" y="1487606"/>
+                <a:ext cx="12192000" cy="5008728"/>
+              </a:xfrm>
+              <a:prstGeom prst="rect">
+                <a:avLst/>
+              </a:prstGeom>
+              <a:blipFill>
+                <a:blip r:embed="rId2"/>
+                <a:stretch>
+                  <a:fillRect/>
+                </a:stretch>
+              </a:blipFill>
+              <a:ln>
+                <a:solidFill>
+                  <a:schemeClr val="bg1"/>
+                </a:solidFill>
+              </a:ln>
+            </p:spPr>
+            <p:txBody>
+              <a:bodyPr/>
+              <a:lstStyle/>
+              <a:p>
+                <a:r>
+                  <a:rPr lang="ru-RU">
+                    <a:noFill/>
+                  </a:rPr>
+                  <a:t> </a:t>
+                </a:r>
+              </a:p>
+            </p:txBody>
+          </p:sp>
+        </mc:Fallback>
+      </mc:AlternateContent>
+      <p:sp>
+        <p:nvSpPr>
+          <p:cNvPr id="2" name="Заголовок 1"/>
+          <p:cNvSpPr>
+            <a:spLocks noGrp="1"/>
+          </p:cNvSpPr>
+          <p:nvPr>
+            <p:ph type="title"/>
+          </p:nvPr>
+        </p:nvSpPr>
+        <p:spPr>
+          <a:xfrm>
+            <a:off x="254000" y="922422"/>
+            <a:ext cx="10515600" cy="565184"/>
+          </a:xfrm>
+        </p:spPr>
+        <p:txBody>
+          <a:bodyPr>
+            <a:normAutofit fontScale="90000"/>
+          </a:bodyPr>
+          <a:lstStyle/>
+          <a:p>
+            <a:r>
+              <a:rPr lang="ru-RU" sz="3600" dirty="0" smtClean="0">
+                <a:solidFill>
+                  <a:schemeClr val="bg1"/>
+                </a:solidFill>
+                <a:latin typeface="Times New Roman" panose="02020603050405020304" pitchFamily="18" charset="0"/>
+              </a:rPr>
+              <a:t>Результаты работы</a:t>
+            </a:r>
+            <a:endParaRPr lang="ru-RU" sz="3600" dirty="0">
+              <a:solidFill>
+                <a:schemeClr val="bg1"/>
+              </a:solidFill>
+              <a:latin typeface="Times New Roman" panose="02020603050405020304" pitchFamily="18" charset="0"/>
+            </a:endParaRPr>
+          </a:p>
+        </p:txBody>
+      </p:sp>
+      <p:pic>
+        <p:nvPicPr>
+          <p:cNvPr id="5" name="Рисунок 4"/>
+          <p:cNvPicPr>
+            <a:picLocks noChangeAspect="1"/>
+          </p:cNvPicPr>
+          <p:nvPr/>
+        </p:nvPicPr>
+        <p:blipFill>
+          <a:blip r:embed="rId3" cstate="print">
+            <a:extLst>
+              <a:ext uri="{28A0092B-C50C-407E-A947-70E740481C1C}">
+                <a14:useLocalDpi xmlns:a14="http://schemas.microsoft.com/office/drawing/2010/main" val="0"/>
+              </a:ext>
+            </a:extLst>
+          </a:blip>
+          <a:stretch>
+            <a:fillRect/>
+          </a:stretch>
+        </p:blipFill>
+        <p:spPr>
+          <a:xfrm>
+            <a:off x="978568" y="16042"/>
+            <a:ext cx="10234864" cy="866274"/>
+          </a:xfrm>
+          <a:prstGeom prst="rect">
+            <a:avLst/>
+          </a:prstGeom>
+          <a:noFill/>
+        </p:spPr>
+      </p:pic>
+      <p:sp>
+        <p:nvSpPr>
+          <p:cNvPr id="10" name="Овал 9"/>
+          <p:cNvSpPr/>
+          <p:nvPr/>
+        </p:nvSpPr>
+        <p:spPr>
+          <a:xfrm>
+            <a:off x="11462084" y="141078"/>
+            <a:ext cx="628403" cy="616202"/>
+          </a:xfrm>
+          <a:prstGeom prst="ellipse">
+            <a:avLst/>
+          </a:prstGeom>
+          <a:solidFill>
+            <a:srgbClr val="2755A3"/>
+          </a:solidFill>
+        </p:spPr>
+        <p:style>
+          <a:lnRef idx="2">
+            <a:schemeClr val="accent4">
+              <a:shade val="50000"/>
+            </a:schemeClr>
+          </a:lnRef>
+          <a:fillRef idx="1">
+            <a:schemeClr val="accent4"/>
+          </a:fillRef>
+          <a:effectRef idx="0">
+            <a:schemeClr val="accent4"/>
+          </a:effectRef>
+          <a:fontRef idx="minor">
+            <a:schemeClr val="lt1"/>
+          </a:fontRef>
+        </p:style>
+        <p:txBody>
+          <a:bodyPr rtlCol="0" anchor="ctr"/>
+          <a:lstStyle/>
+          <a:p>
+            <a:pPr algn="ctr"/>
+            <a:endParaRPr lang="ru-RU" dirty="0"/>
+          </a:p>
+        </p:txBody>
+      </p:sp>
+      <p:sp>
+        <p:nvSpPr>
+          <p:cNvPr id="8" name="Нижний колонтитул 8"/>
+          <p:cNvSpPr txBox="1">
+            <a:spLocks/>
+          </p:cNvSpPr>
+          <p:nvPr/>
+        </p:nvSpPr>
+        <p:spPr>
+          <a:xfrm>
+            <a:off x="8742217" y="6497082"/>
+            <a:ext cx="3722915" cy="365125"/>
+          </a:xfrm>
+          <a:prstGeom prst="rect">
+            <a:avLst/>
+          </a:prstGeom>
+          <a:noFill/>
+        </p:spPr>
+        <p:txBody>
+          <a:bodyPr vert="horz" lIns="91440" tIns="45720" rIns="91440" bIns="45720" rtlCol="0" anchor="ctr"/>
+          <a:lstStyle>
+            <a:defPPr>
+              <a:defRPr lang="ru-RU"/>
+            </a:defPPr>
+            <a:lvl1pPr marL="0" algn="ctr" defTabSz="914400" rtl="0" eaLnBrk="1" latinLnBrk="0" hangingPunct="1">
+              <a:defRPr sz="1200" kern="1200">
+                <a:solidFill>
+                  <a:schemeClr val="tx1">
+                    <a:tint val="75000"/>
+                  </a:schemeClr>
+                </a:solidFill>
+                <a:latin typeface="+mn-lt"/>
+                <a:ea typeface="+mn-ea"/>
+                <a:cs typeface="+mn-cs"/>
+              </a:defRPr>
+            </a:lvl1pPr>
+            <a:lvl2pPr marL="457200" algn="l" defTabSz="914400" rtl="0" eaLnBrk="1" latinLnBrk="0" hangingPunct="1">
+              <a:defRPr sz="1800" kern="1200">
+                <a:solidFill>
+                  <a:schemeClr val="tx1"/>
+                </a:solidFill>
+                <a:latin typeface="+mn-lt"/>
+                <a:ea typeface="+mn-ea"/>
+                <a:cs typeface="+mn-cs"/>
+              </a:defRPr>
+            </a:lvl2pPr>
+            <a:lvl3pPr marL="914400" algn="l" defTabSz="914400" rtl="0" eaLnBrk="1" latinLnBrk="0" hangingPunct="1">
+              <a:defRPr sz="1800" kern="1200">
+                <a:solidFill>
+                  <a:schemeClr val="tx1"/>
+                </a:solidFill>
+                <a:latin typeface="+mn-lt"/>
+                <a:ea typeface="+mn-ea"/>
+                <a:cs typeface="+mn-cs"/>
+              </a:defRPr>
+            </a:lvl3pPr>
+            <a:lvl4pPr marL="1371600" algn="l" defTabSz="914400" rtl="0" eaLnBrk="1" latinLnBrk="0" hangingPunct="1">
+              <a:defRPr sz="1800" kern="1200">
+                <a:solidFill>
+                  <a:schemeClr val="tx1"/>
+                </a:solidFill>
+                <a:latin typeface="+mn-lt"/>
+                <a:ea typeface="+mn-ea"/>
+                <a:cs typeface="+mn-cs"/>
+              </a:defRPr>
+            </a:lvl4pPr>
+            <a:lvl5pPr marL="1828800" algn="l" defTabSz="914400" rtl="0" eaLnBrk="1" latinLnBrk="0" hangingPunct="1">
+              <a:defRPr sz="1800" kern="1200">
+                <a:solidFill>
+                  <a:schemeClr val="tx1"/>
+                </a:solidFill>
+                <a:latin typeface="+mn-lt"/>
+                <a:ea typeface="+mn-ea"/>
+                <a:cs typeface="+mn-cs"/>
+              </a:defRPr>
+            </a:lvl5pPr>
+            <a:lvl6pPr marL="2286000" algn="l" defTabSz="914400" rtl="0" eaLnBrk="1" latinLnBrk="0" hangingPunct="1">
+              <a:defRPr sz="1800" kern="1200">
+                <a:solidFill>
+                  <a:schemeClr val="tx1"/>
+                </a:solidFill>
+                <a:latin typeface="+mn-lt"/>
+                <a:ea typeface="+mn-ea"/>
+                <a:cs typeface="+mn-cs"/>
+              </a:defRPr>
+            </a:lvl6pPr>
+            <a:lvl7pPr marL="2743200" algn="l" defTabSz="914400" rtl="0" eaLnBrk="1" latinLnBrk="0" hangingPunct="1">
+              <a:defRPr sz="1800" kern="1200">
+                <a:solidFill>
+                  <a:schemeClr val="tx1"/>
+                </a:solidFill>
+                <a:latin typeface="+mn-lt"/>
+                <a:ea typeface="+mn-ea"/>
+                <a:cs typeface="+mn-cs"/>
+              </a:defRPr>
+            </a:lvl7pPr>
+            <a:lvl8pPr marL="3200400" algn="l" defTabSz="914400" rtl="0" eaLnBrk="1" latinLnBrk="0" hangingPunct="1">
+              <a:defRPr sz="1800" kern="1200">
+                <a:solidFill>
+                  <a:schemeClr val="tx1"/>
+                </a:solidFill>
+                <a:latin typeface="+mn-lt"/>
+                <a:ea typeface="+mn-ea"/>
+                <a:cs typeface="+mn-cs"/>
+              </a:defRPr>
+            </a:lvl8pPr>
+            <a:lvl9pPr marL="3657600" algn="l" defTabSz="914400" rtl="0" eaLnBrk="1" latinLnBrk="0" hangingPunct="1">
+              <a:defRPr sz="1800" kern="1200">
+                <a:solidFill>
+                  <a:schemeClr val="tx1"/>
+                </a:solidFill>
+                <a:latin typeface="+mn-lt"/>
+                <a:ea typeface="+mn-ea"/>
+                <a:cs typeface="+mn-cs"/>
+              </a:defRPr>
+            </a:lvl9pPr>
+          </a:lstStyle>
+          <a:p>
+            <a:r>
+              <a:rPr lang="ru-RU" sz="1800" dirty="0" smtClean="0">
+                <a:solidFill>
+                  <a:schemeClr val="bg1"/>
+                </a:solidFill>
+                <a:latin typeface="Times New Roman" panose="02020603050405020304" pitchFamily="18" charset="0"/>
+                <a:cs typeface="Times New Roman" panose="02020603050405020304" pitchFamily="18" charset="0"/>
+              </a:rPr>
+              <a:t>Кафедра «Высшая математика </a:t>
+            </a:r>
+            <a:r>
+              <a:rPr lang="en-US" sz="1800" dirty="0" smtClean="0">
+                <a:solidFill>
+                  <a:schemeClr val="bg1"/>
+                </a:solidFill>
+                <a:latin typeface="Times New Roman" panose="02020603050405020304" pitchFamily="18" charset="0"/>
+                <a:cs typeface="Times New Roman" panose="02020603050405020304" pitchFamily="18" charset="0"/>
+              </a:rPr>
+              <a:t>I</a:t>
+            </a:r>
+            <a:r>
+              <a:rPr lang="ru-RU" sz="1800" dirty="0" smtClean="0">
+                <a:solidFill>
+                  <a:schemeClr val="bg1"/>
+                </a:solidFill>
+                <a:latin typeface="Times New Roman" panose="02020603050405020304" pitchFamily="18" charset="0"/>
+                <a:cs typeface="Times New Roman" panose="02020603050405020304" pitchFamily="18" charset="0"/>
+              </a:rPr>
+              <a:t>" </a:t>
+            </a:r>
+            <a:endParaRPr lang="ru-RU" sz="1800" dirty="0">
+              <a:solidFill>
+                <a:schemeClr val="bg1"/>
+              </a:solidFill>
+              <a:latin typeface="Times New Roman" panose="02020603050405020304" pitchFamily="18" charset="0"/>
+              <a:cs typeface="Times New Roman" panose="02020603050405020304" pitchFamily="18" charset="0"/>
+            </a:endParaRPr>
+          </a:p>
+        </p:txBody>
+      </p:sp>
+      <p:sp>
+        <p:nvSpPr>
+          <p:cNvPr id="7" name="TextBox 6"/>
+          <p:cNvSpPr txBox="1"/>
+          <p:nvPr/>
+        </p:nvSpPr>
+        <p:spPr>
+          <a:xfrm>
+            <a:off x="297957" y="1479102"/>
+            <a:ext cx="11515102" cy="5663089"/>
+          </a:xfrm>
+          <a:prstGeom prst="rect">
+            <a:avLst/>
+          </a:prstGeom>
+          <a:noFill/>
+        </p:spPr>
+        <p:txBody>
+          <a:bodyPr wrap="square" rtlCol="0">
+            <a:spAutoFit/>
+          </a:bodyPr>
+          <a:lstStyle/>
+          <a:p>
+            <a:pPr marL="342900" indent="-342900">
+              <a:lnSpc>
+                <a:spcPct val="130000"/>
+              </a:lnSpc>
+              <a:buFont typeface="Arial" panose="020B0604020202020204" pitchFamily="34" charset="0"/>
+              <a:buChar char="•"/>
+            </a:pPr>
+            <a:r>
+              <a:rPr lang="ru-RU" sz="2000" dirty="0"/>
+              <a:t>Шифрование текстов с помощью регистров линейного сдвига с обратной </a:t>
+            </a:r>
+            <a:r>
+              <a:rPr lang="ru-RU" sz="2000" dirty="0" smtClean="0"/>
+              <a:t>связью на основе примитивного многочлена 31-ой степени;</a:t>
+            </a:r>
+            <a:endParaRPr lang="ru-RU" sz="2000" dirty="0"/>
+          </a:p>
+          <a:p>
+            <a:pPr marL="342900" indent="-342900">
+              <a:lnSpc>
+                <a:spcPct val="130000"/>
+              </a:lnSpc>
+              <a:buFont typeface="Arial" panose="020B0604020202020204" pitchFamily="34" charset="0"/>
+              <a:buChar char="•"/>
+            </a:pPr>
+            <a:r>
+              <a:rPr lang="ru-RU" sz="2000" dirty="0" smtClean="0"/>
+              <a:t>Применение критерия </a:t>
+            </a:r>
+            <a:r>
+              <a:rPr lang="ru-RU" sz="2000" dirty="0" err="1" smtClean="0"/>
+              <a:t>Вальда</a:t>
+            </a:r>
+            <a:r>
+              <a:rPr lang="ru-RU" sz="2000" dirty="0" smtClean="0"/>
+              <a:t>;</a:t>
+            </a:r>
+          </a:p>
+          <a:p>
+            <a:pPr marL="342900" indent="-342900">
+              <a:lnSpc>
+                <a:spcPct val="130000"/>
+              </a:lnSpc>
+              <a:buFont typeface="Arial" panose="020B0604020202020204" pitchFamily="34" charset="0"/>
+              <a:buChar char="•"/>
+            </a:pPr>
+            <a:r>
+              <a:rPr lang="ru-RU" sz="2000" dirty="0" smtClean="0"/>
+              <a:t>Применение критерия запрещенных биграмм;</a:t>
+            </a:r>
+          </a:p>
+          <a:p>
+            <a:pPr marL="342900" indent="-342900">
+              <a:lnSpc>
+                <a:spcPct val="130000"/>
+              </a:lnSpc>
+              <a:buFont typeface="Arial" panose="020B0604020202020204" pitchFamily="34" charset="0"/>
+              <a:buChar char="•"/>
+            </a:pPr>
+            <a:r>
+              <a:rPr lang="ru-RU" sz="2000" dirty="0" smtClean="0"/>
+              <a:t>Расшифровывание текста с помощью полного перебора ключей;</a:t>
+            </a:r>
+          </a:p>
+          <a:p>
+            <a:pPr marL="342900" indent="-342900">
+              <a:lnSpc>
+                <a:spcPct val="130000"/>
+              </a:lnSpc>
+              <a:buFont typeface="Arial" panose="020B0604020202020204" pitchFamily="34" charset="0"/>
+              <a:buChar char="•"/>
+            </a:pPr>
+            <a:r>
+              <a:rPr lang="ru-RU" sz="2000" dirty="0" smtClean="0"/>
+              <a:t>Распознавание авторства текса;</a:t>
+            </a:r>
+          </a:p>
+          <a:p>
+            <a:pPr marL="342900" indent="-342900">
+              <a:lnSpc>
+                <a:spcPct val="130000"/>
+              </a:lnSpc>
+              <a:buFont typeface="Arial" panose="020B0604020202020204" pitchFamily="34" charset="0"/>
+              <a:buChar char="•"/>
+            </a:pPr>
+            <a:r>
+              <a:rPr lang="ru-RU" sz="2000" dirty="0" smtClean="0"/>
+              <a:t>Распознавание кодировок.</a:t>
+            </a:r>
+            <a:endParaRPr lang="ru-RU" sz="2000" dirty="0"/>
+          </a:p>
+          <a:p>
+            <a:pPr>
+              <a:lnSpc>
+                <a:spcPct val="130000"/>
+              </a:lnSpc>
+            </a:pPr>
+            <a:r>
+              <a:rPr lang="ru-RU" sz="2000" dirty="0" smtClean="0"/>
+              <a:t>Основными направления развития приложения будут служить:</a:t>
+            </a:r>
+          </a:p>
+          <a:p>
+            <a:pPr marL="342900" indent="-342900">
+              <a:lnSpc>
+                <a:spcPct val="130000"/>
+              </a:lnSpc>
+              <a:buFont typeface="Arial" panose="020B0604020202020204" pitchFamily="34" charset="0"/>
+              <a:buChar char="•"/>
+            </a:pPr>
+            <a:r>
+              <a:rPr lang="ru-RU" sz="2000" dirty="0" smtClean="0"/>
+              <a:t>Реализация </a:t>
+            </a:r>
+            <a:r>
+              <a:rPr lang="ru-RU" sz="2000" dirty="0" smtClean="0"/>
+              <a:t>критериев с помощью решающих лесов;</a:t>
+            </a:r>
+          </a:p>
+          <a:p>
+            <a:pPr marL="342900" indent="-342900">
+              <a:lnSpc>
+                <a:spcPct val="130000"/>
+              </a:lnSpc>
+              <a:buFont typeface="Arial" panose="020B0604020202020204" pitchFamily="34" charset="0"/>
+              <a:buChar char="•"/>
+            </a:pPr>
+            <a:r>
+              <a:rPr lang="ru-RU" sz="2000" dirty="0" smtClean="0"/>
+              <a:t>Применение реализованного критерия в задаче классификации открытых и закрытых текстов.</a:t>
+            </a:r>
+          </a:p>
+          <a:p>
+            <a:pPr marL="342900" indent="-342900">
+              <a:lnSpc>
+                <a:spcPct val="130000"/>
+              </a:lnSpc>
+              <a:buFont typeface="Arial" panose="020B0604020202020204" pitchFamily="34" charset="0"/>
+              <a:buChar char="•"/>
+            </a:pPr>
+            <a:endParaRPr lang="ru-RU" sz="2000" dirty="0" smtClean="0"/>
+          </a:p>
+          <a:p>
+            <a:pPr marL="342900" indent="-342900">
+              <a:lnSpc>
+                <a:spcPct val="130000"/>
+              </a:lnSpc>
+              <a:buFont typeface="Arial" panose="020B0604020202020204" pitchFamily="34" charset="0"/>
+              <a:buChar char="•"/>
+            </a:pPr>
+            <a:endParaRPr lang="ru-RU" sz="2000" dirty="0" smtClean="0"/>
+          </a:p>
+          <a:p>
+            <a:pPr marL="342900" indent="-342900">
+              <a:lnSpc>
+                <a:spcPct val="130000"/>
+              </a:lnSpc>
+              <a:buFont typeface="Arial" panose="020B0604020202020204" pitchFamily="34" charset="0"/>
+              <a:buChar char="•"/>
+            </a:pPr>
+            <a:endParaRPr lang="ru-RU" sz="2000" dirty="0" smtClean="0"/>
+          </a:p>
+          <a:p>
+            <a:pPr marL="342900" indent="-342900">
+              <a:buFont typeface="Arial" panose="020B0604020202020204" pitchFamily="34" charset="0"/>
+              <a:buChar char="•"/>
+            </a:pPr>
+            <a:endParaRPr lang="ru-RU" sz="2400" dirty="0"/>
+          </a:p>
+        </p:txBody>
+      </p:sp>
+    </p:spTree>
+    <p:extLst>
+      <p:ext uri="{BB962C8B-B14F-4D97-AF65-F5344CB8AC3E}">
+        <p14:creationId xmlns:p14="http://schemas.microsoft.com/office/powerpoint/2010/main" val="2205110760"/>
+      </p:ext>
+    </p:extLst>
+  </p:cSld>
+  <p:clrMapOvr>
+    <a:masterClrMapping/>
+  </p:clrMapOvr>
+  <p:timing>
+    <p:tnLst>
+      <p:par>
+        <p:cTn id="1" dur="indefinite" restart="never" nodeType="tmRoot"/>
+      </p:par>
+    </p:tnLst>
+  </p:timing>
+</p:sld>
+</file>
+
+<file path=ppt/slides/slide11.xml><?xml version="1.0" encoding="utf-8"?>
 <p:sld xmlns:a="http://schemas.openxmlformats.org/drawingml/2006/main" xmlns:r="http://schemas.openxmlformats.org/officeDocument/2006/relationships" xmlns:p="http://schemas.openxmlformats.org/presentationml/2006/main" showMasterSp="0">
   <p:cSld>
     <p:spTree>
@@ -4796,7 +5553,15 @@
             </a:pPr>
             <a:r>
               <a:rPr lang="ru-RU" sz="2300" dirty="0" smtClean="0"/>
-              <a:t>Реализовать различные варианты критериев на открытый текст.</a:t>
+              <a:t>Реализация и выбор оптимального из </a:t>
+            </a:r>
+            <a:r>
+              <a:rPr lang="ru-RU" sz="2300" dirty="0" smtClean="0"/>
+              <a:t>критериев </a:t>
+            </a:r>
+            <a:r>
+              <a:rPr lang="ru-RU" sz="2300" dirty="0" smtClean="0"/>
+              <a:t>на открытый текст.</a:t>
             </a:r>
             <a:endParaRPr lang="ru-RU" sz="2300" dirty="0"/>
           </a:p>
@@ -4841,8 +5606,17 @@
             </a:pPr>
             <a:r>
               <a:rPr lang="ru-RU" sz="2300" dirty="0" smtClean="0"/>
-              <a:t>Применение критерия Вальда на открытый текст.</a:t>
-            </a:r>
+              <a:t>Применение критерия </a:t>
+            </a:r>
+            <a:r>
+              <a:rPr lang="ru-RU" sz="2300" dirty="0" err="1" smtClean="0"/>
+              <a:t>Вальда</a:t>
+            </a:r>
+            <a:r>
+              <a:rPr lang="ru-RU" sz="2300" dirty="0" smtClean="0"/>
+              <a:t>.</a:t>
+            </a:r>
+            <a:endParaRPr lang="ru-RU" sz="2300" dirty="0" smtClean="0"/>
           </a:p>
           <a:p>
             <a:pPr marL="457200" lvl="0" indent="-457200" algn="just">
@@ -5534,7 +6308,16 @@
                 </a:solidFill>
                 <a:latin typeface="Times New Roman" panose="02020603050405020304" pitchFamily="18" charset="0"/>
               </a:rPr>
-              <a:t>Задача наискорейшего перебора ключей</a:t>
+              <a:t>РСЛОС и задача </a:t>
+            </a:r>
+            <a:r>
+              <a:rPr lang="ru-RU" sz="3600" dirty="0" smtClean="0">
+                <a:solidFill>
+                  <a:schemeClr val="bg1"/>
+                </a:solidFill>
+                <a:latin typeface="Times New Roman" panose="02020603050405020304" pitchFamily="18" charset="0"/>
+              </a:rPr>
+              <a:t>наискорейшего перебора ключей</a:t>
             </a:r>
             <a:endParaRPr lang="ru-RU" sz="3600" dirty="0">
               <a:solidFill>
@@ -5604,8 +6387,8 @@
         </p:nvSpPr>
         <p:spPr>
           <a:xfrm>
-            <a:off x="215899" y="2053674"/>
-            <a:ext cx="11709400" cy="3894592"/>
+            <a:off x="66885" y="1593827"/>
+            <a:ext cx="11709400" cy="2973122"/>
           </a:xfrm>
           <a:prstGeom prst="rect">
             <a:avLst/>
@@ -5624,12 +6407,44 @@
               </a:lnSpc>
             </a:pPr>
             <a:r>
-              <a:rPr lang="ru-RU" sz="2200" dirty="0" smtClean="0"/>
-              <a:t>	</a:t>
-            </a:r>
-            <a:r>
               <a:rPr lang="ru-RU" sz="2400" dirty="0" smtClean="0"/>
-              <a:t>Полный перебор – метод решения математических задач, основанный на поиске решения, которое исчерпывает всевозможные варианты. Сложность полного перебора зависит от количества всех возможных решений задачи.</a:t>
+              <a:t>	Для </a:t>
+            </a:r>
+            <a:r>
+              <a:rPr lang="ru-RU" sz="2400" dirty="0"/>
+              <a:t>шифрования </a:t>
+            </a:r>
+            <a:r>
+              <a:rPr lang="ru-RU" sz="2400" dirty="0" smtClean="0"/>
+              <a:t>текста </a:t>
+            </a:r>
+            <a:r>
+              <a:rPr lang="ru-RU" sz="2400" dirty="0"/>
+              <a:t>в работе был выбран регистра </a:t>
+            </a:r>
+            <a:r>
+              <a:rPr lang="ru-RU" sz="2400" dirty="0" smtClean="0"/>
+              <a:t>сдвига </a:t>
+            </a:r>
+            <a:r>
+              <a:rPr lang="ru-RU" sz="2400" dirty="0"/>
+              <a:t>с линейной </a:t>
+            </a:r>
+            <a:r>
+              <a:rPr lang="ru-RU" sz="2400" dirty="0" smtClean="0"/>
+              <a:t>обратной связью </a:t>
+            </a:r>
+            <a:r>
+              <a:rPr lang="ru-RU" sz="2400" dirty="0"/>
+              <a:t>на основе примитивного многочлена 31- ой </a:t>
+            </a:r>
+            <a:r>
+              <a:rPr lang="ru-RU" sz="2400" dirty="0" smtClean="0"/>
+              <a:t>степени</a:t>
+            </a:r>
+            <a:r>
+              <a:rPr lang="ru-RU" sz="2400" dirty="0"/>
+              <a:t>.</a:t>
             </a:r>
           </a:p>
           <a:p>
@@ -5640,25 +6455,33 @@
             </a:pPr>
             <a:r>
               <a:rPr lang="ru-RU" sz="2400" dirty="0" smtClean="0"/>
-              <a:t>	В криптографии на вычислительной сложности полного перебора ключей основывается оценка </a:t>
-            </a:r>
-            <a:r>
-              <a:rPr lang="ru-RU" sz="2400" dirty="0" err="1" smtClean="0"/>
-              <a:t>криптостойкости</a:t>
+              <a:t>	Для расшифровки </a:t>
+            </a:r>
+            <a:r>
+              <a:rPr lang="ru-RU" sz="2400" dirty="0"/>
+              <a:t>зашифрованного текста используется</a:t>
+            </a:r>
+            <a:r>
+              <a:rPr lang="ru-RU" sz="2200" dirty="0"/>
+              <a:t> </a:t>
+            </a:r>
+            <a:r>
+              <a:rPr lang="ru-RU" sz="2200" dirty="0" smtClean="0"/>
+              <a:t>п</a:t>
             </a:r>
             <a:r>
               <a:rPr lang="ru-RU" sz="2400" dirty="0" smtClean="0"/>
-              <a:t> шифров. Шифр считается </a:t>
-            </a:r>
-            <a:r>
-              <a:rPr lang="ru-RU" sz="2400" dirty="0" err="1" smtClean="0"/>
-              <a:t>криптостойким</a:t>
+              <a:t>олный </a:t>
             </a:r>
             <a:r>
               <a:rPr lang="ru-RU" sz="2400" dirty="0" smtClean="0"/>
-              <a:t>, если не существует метода «взлома» существенно более быстрого, чем полный перебор всех ключей. Криптографические атаки, основанные на методе полного перебора, являются самыми универсальными, но и самыми долгими.</a:t>
-            </a:r>
-            <a:endParaRPr lang="ru-RU" sz="2400" dirty="0"/>
+              <a:t>перебор – метод решения математических задач, основанный на поиске решения, которое исчерпывает всевозможные варианты. Сложность полного перебора зависит от количества всех возможных решений задачи</a:t>
+            </a:r>
+            <a:r>
+              <a:rPr lang="ru-RU" sz="2400" dirty="0" smtClean="0"/>
+              <a:t>.</a:t>
+            </a:r>
+            <a:endParaRPr lang="ru-RU" sz="2400" dirty="0" smtClean="0"/>
           </a:p>
         </p:txBody>
       </p:sp>
@@ -5817,6 +6640,60 @@
               <a:latin typeface="Times New Roman" panose="02020603050405020304" pitchFamily="18" charset="0"/>
               <a:cs typeface="Times New Roman" panose="02020603050405020304" pitchFamily="18" charset="0"/>
             </a:endParaRPr>
+          </a:p>
+        </p:txBody>
+      </p:sp>
+      <p:pic>
+        <p:nvPicPr>
+          <p:cNvPr id="2" name="Рисунок 1"/>
+          <p:cNvPicPr>
+            <a:picLocks noChangeAspect="1"/>
+          </p:cNvPicPr>
+          <p:nvPr/>
+        </p:nvPicPr>
+        <p:blipFill>
+          <a:blip r:embed="rId3"/>
+          <a:stretch>
+            <a:fillRect/>
+          </a:stretch>
+        </p:blipFill>
+        <p:spPr>
+          <a:xfrm>
+            <a:off x="1725316" y="4366992"/>
+            <a:ext cx="8776435" cy="2097452"/>
+          </a:xfrm>
+          <a:prstGeom prst="rect">
+            <a:avLst/>
+          </a:prstGeom>
+        </p:spPr>
+      </p:pic>
+      <p:sp>
+        <p:nvSpPr>
+          <p:cNvPr id="11" name="TextBox 10"/>
+          <p:cNvSpPr txBox="1"/>
+          <p:nvPr/>
+        </p:nvSpPr>
+        <p:spPr>
+          <a:xfrm>
+            <a:off x="4197923" y="6299555"/>
+            <a:ext cx="6012872" cy="338554"/>
+          </a:xfrm>
+          <a:prstGeom prst="rect">
+            <a:avLst/>
+          </a:prstGeom>
+          <a:noFill/>
+        </p:spPr>
+        <p:txBody>
+          <a:bodyPr wrap="square" rtlCol="0">
+            <a:spAutoFit/>
+          </a:bodyPr>
+          <a:lstStyle/>
+          <a:p>
+            <a:r>
+              <a:rPr lang="ru-RU" sz="1600" dirty="0" smtClean="0"/>
+              <a:t>Рисунок 1. Принцип работы РЛОС</a:t>
+            </a:r>
+            <a:endParaRPr lang="ru-RU" sz="1600" dirty="0"/>
           </a:p>
         </p:txBody>
       </p:sp>
@@ -5934,7 +6811,25 @@
                 </a:solidFill>
                 <a:latin typeface="Times New Roman" panose="02020603050405020304" pitchFamily="18" charset="0"/>
               </a:rPr>
-              <a:t>Критерий Вальда</a:t>
+              <a:t>Критерий </a:t>
+            </a:r>
+            <a:r>
+              <a:rPr lang="ru-RU" sz="3600" dirty="0" err="1" smtClean="0">
+                <a:solidFill>
+                  <a:schemeClr val="bg1"/>
+                </a:solidFill>
+                <a:latin typeface="Times New Roman" panose="02020603050405020304" pitchFamily="18" charset="0"/>
+              </a:rPr>
+              <a:t>Вальда</a:t>
+            </a:r>
+            <a:r>
+              <a:rPr lang="ru-RU" sz="3600" dirty="0" smtClean="0">
+                <a:solidFill>
+                  <a:schemeClr val="bg1"/>
+                </a:solidFill>
+                <a:latin typeface="Times New Roman" panose="02020603050405020304" pitchFamily="18" charset="0"/>
+              </a:rPr>
+              <a:t> </a:t>
             </a:r>
             <a:endParaRPr lang="ru-RU" sz="3600" dirty="0">
               <a:solidFill>
@@ -6019,283 +6914,54 @@
           </a:p>
         </p:txBody>
       </p:sp>
-      <mc:AlternateContent xmlns:mc="http://schemas.openxmlformats.org/markup-compatibility/2006" xmlns:a14="http://schemas.microsoft.com/office/drawing/2010/main">
-        <mc:Choice Requires="a14">
-          <p:sp>
-            <p:nvSpPr>
-              <p:cNvPr id="12" name="Прямоугольник 11"/>
-              <p:cNvSpPr/>
-              <p:nvPr/>
-            </p:nvSpPr>
-            <p:spPr>
-              <a:xfrm>
-                <a:off x="0" y="1503150"/>
-                <a:ext cx="12192000" cy="5008728"/>
-              </a:xfrm>
-              <a:prstGeom prst="rect">
-                <a:avLst/>
-              </a:prstGeom>
-              <a:solidFill>
-                <a:schemeClr val="bg1"/>
-              </a:solidFill>
-              <a:ln>
-                <a:solidFill>
-                  <a:schemeClr val="bg1"/>
-                </a:solidFill>
-              </a:ln>
-            </p:spPr>
-            <p:style>
-              <a:lnRef idx="2">
-                <a:schemeClr val="accent1">
-                  <a:shade val="50000"/>
-                </a:schemeClr>
-              </a:lnRef>
-              <a:fillRef idx="1">
-                <a:schemeClr val="accent1"/>
-              </a:fillRef>
-              <a:effectRef idx="0">
-                <a:schemeClr val="accent1"/>
-              </a:effectRef>
-              <a:fontRef idx="minor">
-                <a:schemeClr val="lt1"/>
-              </a:fontRef>
-            </p:style>
-            <p:txBody>
-              <a:bodyPr rtlCol="0" anchor="ctr"/>
-              <a:lstStyle/>
-              <a:p>
-                <a:pPr algn="ctr"/>
-                <a:r>
-                  <a:rPr lang="ru-RU" dirty="0"/>
-                  <a:t>Для более наглядного представления работы регистра сдвига  с линейной обратной связью приведем пример генерируемой последовательности на основе готово характеристичного примитивного многочлена: </a:t>
-                </a:r>
-                <a14:m>
-                  <m:oMath xmlns:m="http://schemas.openxmlformats.org/officeDocument/2006/math">
-                    <m:sSup>
-                      <m:sSupPr>
-                        <m:ctrlPr>
-                          <a:rPr lang="ru-RU" i="1">
-                            <a:latin typeface="Cambria Math" panose="02040503050406030204" pitchFamily="18" charset="0"/>
-                          </a:rPr>
-                        </m:ctrlPr>
-                      </m:sSupPr>
-                      <m:e>
-                        <m:r>
-                          <a:rPr lang="ru-RU" i="1">
-                            <a:latin typeface="Cambria Math" panose="02040503050406030204" pitchFamily="18" charset="0"/>
-                          </a:rPr>
-                          <m:t>𝑥</m:t>
-                        </m:r>
-                      </m:e>
-                      <m:sup>
-                        <m:r>
-                          <a:rPr lang="ru-RU" i="1">
-                            <a:latin typeface="Cambria Math" panose="02040503050406030204" pitchFamily="18" charset="0"/>
-                          </a:rPr>
-                          <m:t>3</m:t>
-                        </m:r>
-                      </m:sup>
-                    </m:sSup>
-                    <m:r>
-                      <a:rPr lang="ru-RU" i="1">
-                        <a:latin typeface="Cambria Math" panose="02040503050406030204" pitchFamily="18" charset="0"/>
-                      </a:rPr>
-                      <m:t>+</m:t>
-                    </m:r>
-                    <m:r>
-                      <a:rPr lang="ru-RU" i="1">
-                        <a:latin typeface="Cambria Math" panose="02040503050406030204" pitchFamily="18" charset="0"/>
-                      </a:rPr>
-                      <m:t>𝑥</m:t>
-                    </m:r>
-                    <m:r>
-                      <a:rPr lang="ru-RU" i="1">
-                        <a:latin typeface="Cambria Math" panose="02040503050406030204" pitchFamily="18" charset="0"/>
-                      </a:rPr>
-                      <m:t>+1</m:t>
-                    </m:r>
-                  </m:oMath>
-                </a14:m>
-                <a:r>
-                  <a:rPr lang="ru-RU" dirty="0"/>
-                  <a:t>. Исходя из приведенного многочлена, мы можем утверждать, что битами отвода будут 2-й и 0-й. Запишем формулу для функции обратной связи: </a:t>
-                </a:r>
-                <a14:m>
-                  <m:oMath xmlns:m="http://schemas.openxmlformats.org/officeDocument/2006/math">
-                    <m:sSub>
-                      <m:sSubPr>
-                        <m:ctrlPr>
-                          <a:rPr lang="ru-RU" i="1">
-                            <a:latin typeface="Cambria Math" panose="02040503050406030204" pitchFamily="18" charset="0"/>
-                          </a:rPr>
-                        </m:ctrlPr>
-                      </m:sSubPr>
-                      <m:e>
-                        <m:r>
-                          <a:rPr lang="ru-RU" i="1">
-                            <a:latin typeface="Cambria Math" panose="02040503050406030204" pitchFamily="18" charset="0"/>
-                          </a:rPr>
-                          <m:t>𝑆</m:t>
-                        </m:r>
-                      </m:e>
-                      <m:sub>
-                        <m:r>
-                          <a:rPr lang="ru-RU" i="1">
-                            <a:latin typeface="Cambria Math" panose="02040503050406030204" pitchFamily="18" charset="0"/>
-                          </a:rPr>
-                          <m:t>𝑗</m:t>
-                        </m:r>
-                      </m:sub>
-                    </m:sSub>
-                    <m:r>
-                      <a:rPr lang="ru-RU" i="1">
-                        <a:latin typeface="Cambria Math" panose="02040503050406030204" pitchFamily="18" charset="0"/>
-                      </a:rPr>
-                      <m:t>=</m:t>
-                    </m:r>
-                    <m:sSub>
-                      <m:sSubPr>
-                        <m:ctrlPr>
-                          <a:rPr lang="ru-RU" i="1">
-                            <a:latin typeface="Cambria Math" panose="02040503050406030204" pitchFamily="18" charset="0"/>
-                          </a:rPr>
-                        </m:ctrlPr>
-                      </m:sSubPr>
-                      <m:e>
-                        <m:r>
-                          <a:rPr lang="ru-RU" i="1">
-                            <a:latin typeface="Cambria Math" panose="02040503050406030204" pitchFamily="18" charset="0"/>
-                          </a:rPr>
-                          <m:t>𝑆</m:t>
-                        </m:r>
-                      </m:e>
-                      <m:sub>
-                        <m:r>
-                          <a:rPr lang="ru-RU" i="1">
-                            <a:latin typeface="Cambria Math" panose="02040503050406030204" pitchFamily="18" charset="0"/>
-                          </a:rPr>
-                          <m:t>𝑗</m:t>
-                        </m:r>
-                        <m:r>
-                          <a:rPr lang="ru-RU" i="1">
-                            <a:latin typeface="Cambria Math" panose="02040503050406030204" pitchFamily="18" charset="0"/>
-                          </a:rPr>
-                          <m:t>−1</m:t>
-                        </m:r>
-                      </m:sub>
-                    </m:sSub>
-                    <m:sSub>
-                      <m:sSubPr>
-                        <m:ctrlPr>
-                          <a:rPr lang="ru-RU" i="1">
-                            <a:latin typeface="Cambria Math" panose="02040503050406030204" pitchFamily="18" charset="0"/>
-                          </a:rPr>
-                        </m:ctrlPr>
-                      </m:sSubPr>
-                      <m:e>
-                        <m:r>
-                          <a:rPr lang="ru-RU" i="1">
-                            <a:latin typeface="Cambria Math" panose="02040503050406030204" pitchFamily="18" charset="0"/>
-                          </a:rPr>
-                          <m:t>𝑆</m:t>
-                        </m:r>
-                      </m:e>
-                      <m:sub>
-                        <m:r>
-                          <a:rPr lang="ru-RU" i="1">
-                            <a:latin typeface="Cambria Math" panose="02040503050406030204" pitchFamily="18" charset="0"/>
-                          </a:rPr>
-                          <m:t>𝑗</m:t>
-                        </m:r>
-                        <m:r>
-                          <a:rPr lang="ru-RU" i="1">
-                            <a:latin typeface="Cambria Math" panose="02040503050406030204" pitchFamily="18" charset="0"/>
-                          </a:rPr>
-                          <m:t>−3</m:t>
-                        </m:r>
-                      </m:sub>
-                    </m:sSub>
-                  </m:oMath>
-                </a14:m>
-                <a:r>
-                  <a:rPr lang="ru-RU" dirty="0"/>
-                  <a:t>.  Допустим начальным состоянием регистра следующую последовательность </a:t>
-                </a:r>
-                <a14:m>
-                  <m:oMath xmlns:m="http://schemas.openxmlformats.org/officeDocument/2006/math">
-                    <m:d>
-                      <m:dPr>
-                        <m:begChr m:val="["/>
-                        <m:endChr m:val="]"/>
-                        <m:ctrlPr>
-                          <a:rPr lang="ru-RU" i="1">
-                            <a:latin typeface="Cambria Math" panose="02040503050406030204" pitchFamily="18" charset="0"/>
-                          </a:rPr>
-                        </m:ctrlPr>
-                      </m:dPr>
-                      <m:e>
-                        <m:r>
-                          <a:rPr lang="ru-RU" i="1">
-                            <a:latin typeface="Cambria Math" panose="02040503050406030204" pitchFamily="18" charset="0"/>
-                          </a:rPr>
-                          <m:t>0,0,1</m:t>
-                        </m:r>
-                      </m:e>
-                    </m:d>
-                  </m:oMath>
-                </a14:m>
-                <a:r>
-                  <a:rPr lang="ru-RU" dirty="0"/>
-                  <a:t>. </a:t>
-                </a:r>
-              </a:p>
-            </p:txBody>
-          </p:sp>
-        </mc:Choice>
-        <mc:Fallback xmlns="">
-          <p:sp>
-            <p:nvSpPr>
-              <p:cNvPr id="12" name="Прямоугольник 11"/>
-              <p:cNvSpPr>
-                <a:spLocks noRot="1" noChangeAspect="1" noMove="1" noResize="1" noEditPoints="1" noAdjustHandles="1" noChangeArrowheads="1" noChangeShapeType="1" noTextEdit="1"/>
-              </p:cNvSpPr>
-              <p:nvPr/>
-            </p:nvSpPr>
-            <p:spPr>
-              <a:xfrm>
-                <a:off x="0" y="1503150"/>
-                <a:ext cx="12192000" cy="5008728"/>
-              </a:xfrm>
-              <a:prstGeom prst="rect">
-                <a:avLst/>
-              </a:prstGeom>
-              <a:blipFill>
-                <a:blip r:embed="rId3"/>
-                <a:stretch>
-                  <a:fillRect l="-150" r="-599"/>
-                </a:stretch>
-              </a:blipFill>
-              <a:ln>
-                <a:solidFill>
-                  <a:schemeClr val="bg1"/>
-                </a:solidFill>
-              </a:ln>
-            </p:spPr>
-            <p:txBody>
-              <a:bodyPr/>
-              <a:lstStyle/>
-              <a:p>
-                <a:r>
-                  <a:rPr lang="ru-RU">
-                    <a:noFill/>
-                  </a:rPr>
-                  <a:t> </a:t>
-                </a:r>
-              </a:p>
-            </p:txBody>
-          </p:sp>
-        </mc:Fallback>
-      </mc:AlternateContent>
+      <p:sp>
+        <p:nvSpPr>
+          <p:cNvPr id="12" name="Прямоугольник 11"/>
+          <p:cNvSpPr/>
+          <p:nvPr/>
+        </p:nvSpPr>
+        <p:spPr>
+          <a:xfrm>
+            <a:off x="0" y="1503150"/>
+            <a:ext cx="12192000" cy="5008728"/>
+          </a:xfrm>
+          <a:prstGeom prst="rect">
+            <a:avLst/>
+          </a:prstGeom>
+          <a:solidFill>
+            <a:schemeClr val="bg1"/>
+          </a:solidFill>
+          <a:ln>
+            <a:solidFill>
+              <a:schemeClr val="bg1"/>
+            </a:solidFill>
+          </a:ln>
+        </p:spPr>
+        <p:style>
+          <a:lnRef idx="2">
+            <a:schemeClr val="accent1">
+              <a:shade val="50000"/>
+            </a:schemeClr>
+          </a:lnRef>
+          <a:fillRef idx="1">
+            <a:schemeClr val="accent1"/>
+          </a:fillRef>
+          <a:effectRef idx="0">
+            <a:schemeClr val="accent1"/>
+          </a:effectRef>
+          <a:fontRef idx="minor">
+            <a:schemeClr val="lt1"/>
+          </a:fontRef>
+        </p:style>
+        <p:txBody>
+          <a:bodyPr rtlCol="0" anchor="ctr"/>
+          <a:lstStyle/>
+          <a:p>
+            <a:pPr algn="ctr"/>
+            <a:endParaRPr lang="ru-RU" dirty="0"/>
+          </a:p>
+        </p:txBody>
+      </p:sp>
       <mc:AlternateContent xmlns:mc="http://schemas.openxmlformats.org/markup-compatibility/2006">
         <mc:Choice xmlns:a14="http://schemas.microsoft.com/office/drawing/2010/main" Requires="a14">
           <p:sp>
@@ -6307,7 +6973,7 @@
             <p:spPr>
               <a:xfrm>
                 <a:off x="7002" y="1520664"/>
-                <a:ext cx="12184997" cy="4721870"/>
+                <a:ext cx="12184997" cy="4404796"/>
               </a:xfrm>
               <a:prstGeom prst="rect">
                 <a:avLst/>
@@ -6330,15 +6996,15 @@
                   <a:t>	</a:t>
                 </a:r>
                 <a:r>
-                  <a:rPr lang="ru-RU" sz="2200" dirty="0" smtClean="0"/>
-                  <a:t>В </a:t>
+                  <a:rPr lang="ru-RU" sz="2200" dirty="0"/>
+                  <a:t> В </a:t>
                 </a:r>
                 <a:r>
                   <a:rPr lang="ru-RU" sz="2200" dirty="0"/>
                   <a:t>критерии </a:t>
                 </a:r>
                 <a:r>
-                  <a:rPr lang="ru-RU" sz="2200" dirty="0" smtClean="0"/>
+                  <a:rPr lang="ru-RU" sz="2200" dirty="0"/>
                   <a:t>Вальда на </a:t>
                 </a:r>
                 <a:r>
@@ -6552,293 +7218,285 @@
                   </m:oMath>
                 </a14:m>
                 <a:r>
-                  <a:rPr lang="ru-RU" sz="2200" dirty="0"/>
-                  <a:t>. При попадании выборки </a:t>
+                  <a:rPr lang="ru-RU" sz="2200" dirty="0" smtClean="0"/>
+                  <a:t>путем выбора двух порогов – верхнего и нижнего. </a:t>
+                </a:r>
+              </a:p>
+              <a:p>
+                <a:pPr>
+                  <a:lnSpc>
+                    <a:spcPct val="120000"/>
+                  </a:lnSpc>
+                </a:pPr>
+                <a:r>
+                  <a:rPr lang="ru-RU" sz="2200" dirty="0" smtClean="0"/>
+                  <a:t>Верхний порог (выше него- текст открытый):  </a:t>
                 </a:r>
                 <a14:m>
                   <m:oMath xmlns:m="http://schemas.openxmlformats.org/officeDocument/2006/math">
-                    <m:r>
-                      <a:rPr lang="ru-RU" sz="2200" i="1">
-                        <a:latin typeface="Cambria Math" panose="02040503050406030204" pitchFamily="18" charset="0"/>
-                      </a:rPr>
-                      <m:t>𝑋</m:t>
-                    </m:r>
-                    <m:r>
-                      <a:rPr lang="ru-RU" sz="2200" i="1">
-                        <a:latin typeface="Cambria Math" panose="02040503050406030204" pitchFamily="18" charset="0"/>
-                      </a:rPr>
-                      <m:t>=(</m:t>
-                    </m:r>
                     <m:sSub>
                       <m:sSubPr>
                         <m:ctrlPr>
-                          <a:rPr lang="ru-RU" sz="2200" i="1">
+                          <a:rPr lang="en-US" sz="2200" b="0" i="1" smtClean="0">
                             <a:latin typeface="Cambria Math" panose="02040503050406030204" pitchFamily="18" charset="0"/>
                           </a:rPr>
                         </m:ctrlPr>
                       </m:sSubPr>
                       <m:e>
                         <m:r>
-                          <a:rPr lang="ru-RU" sz="2200" i="1">
+                          <a:rPr lang="en-US" sz="2200" b="0" i="1" smtClean="0">
                             <a:latin typeface="Cambria Math" panose="02040503050406030204" pitchFamily="18" charset="0"/>
                           </a:rPr>
-                          <m:t>𝑥</m:t>
+                          <m:t>𝑀</m:t>
                         </m:r>
                       </m:e>
                       <m:sub>
                         <m:r>
-                          <a:rPr lang="ru-RU" sz="2200" i="1">
+                          <a:rPr lang="ru-RU" sz="2200" b="0" i="1" smtClean="0">
                             <a:latin typeface="Cambria Math" panose="02040503050406030204" pitchFamily="18" charset="0"/>
                           </a:rPr>
-                          <m:t>1</m:t>
+                          <m:t>о</m:t>
                         </m:r>
                       </m:sub>
                     </m:sSub>
                     <m:r>
-                      <a:rPr lang="ru-RU" sz="2200" i="1">
+                      <a:rPr lang="en-US" sz="2200" b="0" i="0" smtClean="0">
                         <a:latin typeface="Cambria Math" panose="02040503050406030204" pitchFamily="18" charset="0"/>
                       </a:rPr>
-                      <m:t>,…,</m:t>
+                      <m:t>−3∗</m:t>
                     </m:r>
                     <m:sSub>
                       <m:sSubPr>
                         <m:ctrlPr>
-                          <a:rPr lang="ru-RU" sz="2200" i="1">
+                          <a:rPr lang="en-US" sz="2200" b="0" i="1" smtClean="0">
                             <a:latin typeface="Cambria Math" panose="02040503050406030204" pitchFamily="18" charset="0"/>
                           </a:rPr>
                         </m:ctrlPr>
                       </m:sSubPr>
                       <m:e>
                         <m:r>
-                          <a:rPr lang="ru-RU" sz="2200" i="1">
+                          <a:rPr lang="en-US" sz="2200" b="0" i="1" smtClean="0">
                             <a:latin typeface="Cambria Math" panose="02040503050406030204" pitchFamily="18" charset="0"/>
                           </a:rPr>
-                          <m:t>𝑥</m:t>
+                          <m:t>𝑠</m:t>
                         </m:r>
                       </m:e>
                       <m:sub>
                         <m:r>
-                          <a:rPr lang="ru-RU" sz="2200" i="1">
+                          <a:rPr lang="ru-RU" sz="2200" b="0" i="1" smtClean="0">
                             <a:latin typeface="Cambria Math" panose="02040503050406030204" pitchFamily="18" charset="0"/>
                           </a:rPr>
-                          <m:t>𝑛</m:t>
+                          <m:t>о</m:t>
                         </m:r>
                       </m:sub>
                     </m:sSub>
-                    <m:r>
-                      <a:rPr lang="ru-RU" sz="2200" i="1">
-                        <a:latin typeface="Cambria Math" panose="02040503050406030204" pitchFamily="18" charset="0"/>
-                      </a:rPr>
-                      <m:t>)</m:t>
-                    </m:r>
                   </m:oMath>
                 </a14:m>
-                <a:r>
-                  <a:rPr lang="ru-RU" sz="2200" dirty="0" smtClean="0"/>
-                  <a:t>:</a:t>
-                </a:r>
+                <a:endParaRPr lang="en-US" sz="2200" dirty="0" smtClean="0"/>
               </a:p>
               <a:p>
-                <a:pPr marL="342900" indent="-342900">
+                <a:pPr>
                   <a:lnSpc>
                     <a:spcPct val="120000"/>
                   </a:lnSpc>
-                  <a:buFont typeface="Arial" panose="020B0604020202020204" pitchFamily="34" charset="0"/>
-                  <a:buChar char="•"/>
                 </a:pPr>
                 <a:r>
-                  <a:rPr lang="ru-RU" sz="2200" dirty="0"/>
-                  <a:t> в множество </a:t>
-                </a:r>
-                <a14:m>
-                  <m:oMath xmlns:m="http://schemas.openxmlformats.org/officeDocument/2006/math">
-                    <m:sSubSup>
-                      <m:sSubSupPr>
-                        <m:ctrlPr>
-                          <a:rPr lang="ru-RU" sz="2200" i="1">
-                            <a:latin typeface="Cambria Math" panose="02040503050406030204" pitchFamily="18" charset="0"/>
-                          </a:rPr>
-                        </m:ctrlPr>
-                      </m:sSubSupPr>
-                      <m:e>
-                        <m:r>
-                          <a:rPr lang="en-US" sz="2200" i="1">
-                            <a:latin typeface="Cambria Math" panose="02040503050406030204" pitchFamily="18" charset="0"/>
-                          </a:rPr>
-                          <m:t>𝐸</m:t>
-                        </m:r>
-                      </m:e>
-                      <m:sub>
-                        <m:r>
-                          <a:rPr lang="ru-RU" sz="2200" i="1">
-                            <a:latin typeface="Cambria Math" panose="02040503050406030204" pitchFamily="18" charset="0"/>
-                          </a:rPr>
-                          <m:t>1</m:t>
-                        </m:r>
-                      </m:sub>
-                      <m:sup>
-                        <m:r>
-                          <a:rPr lang="ru-RU" sz="2200" i="1">
-                            <a:latin typeface="Cambria Math" panose="02040503050406030204" pitchFamily="18" charset="0"/>
-                          </a:rPr>
-                          <m:t>(</m:t>
-                        </m:r>
-                        <m:r>
-                          <a:rPr lang="en-US" sz="2200" i="1">
-                            <a:latin typeface="Cambria Math" panose="02040503050406030204" pitchFamily="18" charset="0"/>
-                          </a:rPr>
-                          <m:t>𝑛</m:t>
-                        </m:r>
-                        <m:r>
-                          <a:rPr lang="ru-RU" sz="2200" i="1">
-                            <a:latin typeface="Cambria Math" panose="02040503050406030204" pitchFamily="18" charset="0"/>
-                          </a:rPr>
-                          <m:t>)</m:t>
-                        </m:r>
-                      </m:sup>
-                    </m:sSubSup>
-                  </m:oMath>
-                </a14:m>
-                <a:r>
-                  <a:rPr lang="ru-RU" sz="2200" dirty="0"/>
-                  <a:t> принимают гипотезу </a:t>
+                  <a:rPr lang="ru-RU" sz="2200" dirty="0" smtClean="0"/>
+                  <a:t>Нижний порог (ниже него – текст закрытый): </a:t>
                 </a:r>
                 <a14:m>
                   <m:oMath xmlns:m="http://schemas.openxmlformats.org/officeDocument/2006/math">
                     <m:sSub>
                       <m:sSubPr>
                         <m:ctrlPr>
-                          <a:rPr lang="ru-RU" sz="2200" i="1">
+                          <a:rPr lang="en-US" sz="2200" i="1">
                             <a:latin typeface="Cambria Math" panose="02040503050406030204" pitchFamily="18" charset="0"/>
                           </a:rPr>
                         </m:ctrlPr>
                       </m:sSubPr>
                       <m:e>
                         <m:r>
-                          <a:rPr lang="ru-RU" sz="2200" i="1">
+                          <a:rPr lang="en-US" sz="2200" i="1">
                             <a:latin typeface="Cambria Math" panose="02040503050406030204" pitchFamily="18" charset="0"/>
                           </a:rPr>
-                          <m:t>𝐻</m:t>
+                          <m:t>𝑀</m:t>
                         </m:r>
                       </m:e>
                       <m:sub>
                         <m:r>
-                          <a:rPr lang="ru-RU" sz="2200" i="1">
+                          <a:rPr lang="ru-RU" sz="2200" b="0" i="1" smtClean="0">
                             <a:latin typeface="Cambria Math" panose="02040503050406030204" pitchFamily="18" charset="0"/>
                           </a:rPr>
-                          <m:t>0</m:t>
+                          <m:t>з</m:t>
+                        </m:r>
+                      </m:sub>
+                    </m:sSub>
+                    <m:r>
+                      <a:rPr lang="ru-RU" sz="2200" b="0" i="0" smtClean="0">
+                        <a:latin typeface="Cambria Math" panose="02040503050406030204" pitchFamily="18" charset="0"/>
+                      </a:rPr>
+                      <m:t>+</m:t>
+                    </m:r>
+                    <m:r>
+                      <a:rPr lang="en-US" sz="2200" smtClean="0">
+                        <a:latin typeface="Cambria Math" panose="02040503050406030204" pitchFamily="18" charset="0"/>
+                      </a:rPr>
+                      <m:t>3∗</m:t>
+                    </m:r>
+                    <m:sSub>
+                      <m:sSubPr>
+                        <m:ctrlPr>
+                          <a:rPr lang="en-US" sz="2200" i="1" smtClean="0">
+                            <a:latin typeface="Cambria Math" panose="02040503050406030204" pitchFamily="18" charset="0"/>
+                          </a:rPr>
+                        </m:ctrlPr>
+                      </m:sSubPr>
+                      <m:e>
+                        <m:r>
+                          <a:rPr lang="en-US" sz="2200" i="1">
+                            <a:latin typeface="Cambria Math" panose="02040503050406030204" pitchFamily="18" charset="0"/>
+                          </a:rPr>
+                          <m:t>𝑠</m:t>
+                        </m:r>
+                      </m:e>
+                      <m:sub>
+                        <m:r>
+                          <a:rPr lang="ru-RU" sz="2200" b="0" i="1" smtClean="0">
+                            <a:latin typeface="Cambria Math" panose="02040503050406030204" pitchFamily="18" charset="0"/>
+                          </a:rPr>
+                          <m:t>з</m:t>
+                        </m:r>
+                      </m:sub>
+                    </m:sSub>
+                  </m:oMath>
+                </a14:m>
+                <a:endParaRPr lang="ru-RU" sz="2200" dirty="0" smtClean="0"/>
+              </a:p>
+              <a:p>
+                <a:pPr>
+                  <a:lnSpc>
+                    <a:spcPct val="120000"/>
+                  </a:lnSpc>
+                </a:pPr>
+                <a14:m>
+                  <m:oMath xmlns:m="http://schemas.openxmlformats.org/officeDocument/2006/math">
+                    <m:sSub>
+                      <m:sSubPr>
+                        <m:ctrlPr>
+                          <a:rPr lang="en-US" sz="2200" i="1">
+                            <a:latin typeface="Cambria Math" panose="02040503050406030204" pitchFamily="18" charset="0"/>
+                          </a:rPr>
+                        </m:ctrlPr>
+                      </m:sSubPr>
+                      <m:e>
+                        <m:r>
+                          <a:rPr lang="en-US" sz="2200" i="1">
+                            <a:latin typeface="Cambria Math" panose="02040503050406030204" pitchFamily="18" charset="0"/>
+                          </a:rPr>
+                          <m:t>𝑀</m:t>
+                        </m:r>
+                      </m:e>
+                      <m:sub>
+                        <m:r>
+                          <a:rPr lang="ru-RU" sz="2200" b="0" i="1" smtClean="0">
+                            <a:latin typeface="Cambria Math" panose="02040503050406030204" pitchFamily="18" charset="0"/>
+                          </a:rPr>
+                          <m:t>о</m:t>
+                        </m:r>
+                        <m:r>
+                          <a:rPr lang="en-US" sz="2200" b="0" i="1" smtClean="0">
+                            <a:latin typeface="Cambria Math" panose="02040503050406030204" pitchFamily="18" charset="0"/>
+                          </a:rPr>
+                          <m:t>|</m:t>
+                        </m:r>
+                        <m:r>
+                          <a:rPr lang="ru-RU" sz="2200" b="0" i="1" smtClean="0">
+                            <a:latin typeface="Cambria Math" panose="02040503050406030204" pitchFamily="18" charset="0"/>
+                          </a:rPr>
+                          <m:t>з</m:t>
                         </m:r>
                       </m:sub>
                     </m:sSub>
                   </m:oMath>
                 </a14:m>
                 <a:r>
-                  <a:rPr lang="ru-RU" sz="2200" dirty="0"/>
-                  <a:t>, испытания заканчивают; </a:t>
+                  <a:rPr lang="ru-RU" sz="2200" dirty="0" smtClean="0"/>
+                  <a:t> - математическое ожидание для закрытого / открытого текста на основе выборки из</a:t>
                 </a:r>
-                <a:endParaRPr lang="ru-RU" sz="2200" dirty="0" smtClean="0"/>
+                <a:r>
+                  <a:rPr lang="en-US" sz="2200" dirty="0"/>
+                  <a:t> </a:t>
+                </a:r>
+                <a:r>
+                  <a:rPr lang="en-US" sz="2200" dirty="0" smtClean="0"/>
+                  <a:t>n </a:t>
+                </a:r>
+                <a:r>
+                  <a:rPr lang="ru-RU" sz="2200" dirty="0" smtClean="0"/>
+                  <a:t>числа символ поданного на вход текста</a:t>
+                </a:r>
               </a:p>
               <a:p>
-                <a:pPr marL="342900" indent="-342900">
+                <a:pPr>
                   <a:lnSpc>
                     <a:spcPct val="120000"/>
                   </a:lnSpc>
-                  <a:buFont typeface="Arial" panose="020B0604020202020204" pitchFamily="34" charset="0"/>
-                  <a:buChar char="•"/>
                 </a:pPr>
-                <a:r>
-                  <a:rPr lang="ru-RU" sz="2200" dirty="0" smtClean="0"/>
-                  <a:t>при </a:t>
-                </a:r>
-                <a:r>
-                  <a:rPr lang="ru-RU" sz="2200" dirty="0"/>
-                  <a:t>попадании в множество </a:t>
-                </a:r>
-                <a14:m>
-                  <m:oMath xmlns:m="http://schemas.openxmlformats.org/officeDocument/2006/math">
-                    <m:sSubSup>
-                      <m:sSubSupPr>
-                        <m:ctrlPr>
-                          <a:rPr lang="ru-RU" sz="2200" i="1">
-                            <a:latin typeface="Cambria Math" panose="02040503050406030204" pitchFamily="18" charset="0"/>
-                          </a:rPr>
-                        </m:ctrlPr>
-                      </m:sSubSupPr>
-                      <m:e>
-                        <m:r>
-                          <a:rPr lang="en-US" sz="2200" i="1">
-                            <a:latin typeface="Cambria Math" panose="02040503050406030204" pitchFamily="18" charset="0"/>
-                          </a:rPr>
-                          <m:t>𝐸</m:t>
-                        </m:r>
-                      </m:e>
-                      <m:sub>
-                        <m:r>
-                          <a:rPr lang="ru-RU" sz="2200" i="1">
-                            <a:latin typeface="Cambria Math" panose="02040503050406030204" pitchFamily="18" charset="0"/>
-                          </a:rPr>
-                          <m:t>1</m:t>
-                        </m:r>
-                      </m:sub>
-                      <m:sup>
-                        <m:r>
-                          <a:rPr lang="ru-RU" sz="2200" i="1">
-                            <a:latin typeface="Cambria Math" panose="02040503050406030204" pitchFamily="18" charset="0"/>
-                          </a:rPr>
-                          <m:t>(</m:t>
-                        </m:r>
-                        <m:r>
-                          <a:rPr lang="en-US" sz="2200" i="1">
-                            <a:latin typeface="Cambria Math" panose="02040503050406030204" pitchFamily="18" charset="0"/>
-                          </a:rPr>
-                          <m:t>𝑛</m:t>
-                        </m:r>
-                        <m:r>
-                          <a:rPr lang="ru-RU" sz="2200" i="1">
-                            <a:latin typeface="Cambria Math" panose="02040503050406030204" pitchFamily="18" charset="0"/>
-                          </a:rPr>
-                          <m:t>)</m:t>
-                        </m:r>
-                      </m:sup>
-                    </m:sSubSup>
-                  </m:oMath>
-                </a14:m>
-                <a:r>
-                  <a:rPr lang="ru-RU" sz="2200" dirty="0"/>
-                  <a:t> принимают гипотезу </a:t>
-                </a:r>
                 <a14:m>
                   <m:oMath xmlns:m="http://schemas.openxmlformats.org/officeDocument/2006/math">
                     <m:sSub>
                       <m:sSubPr>
                         <m:ctrlPr>
-                          <a:rPr lang="ru-RU" sz="2200" i="1">
+                          <a:rPr lang="en-US" sz="2200" i="1">
                             <a:latin typeface="Cambria Math" panose="02040503050406030204" pitchFamily="18" charset="0"/>
                           </a:rPr>
                         </m:ctrlPr>
                       </m:sSubPr>
                       <m:e>
                         <m:r>
-                          <a:rPr lang="ru-RU" sz="2200" i="1">
+                          <a:rPr lang="en-US" sz="2200" i="1">
                             <a:latin typeface="Cambria Math" panose="02040503050406030204" pitchFamily="18" charset="0"/>
                           </a:rPr>
-                          <m:t>𝐻</m:t>
+                          <m:t>𝑠</m:t>
                         </m:r>
                       </m:e>
                       <m:sub>
                         <m:r>
+                          <a:rPr lang="ru-RU" sz="2200" b="0" i="1" smtClean="0">
+                            <a:latin typeface="Cambria Math" panose="02040503050406030204" pitchFamily="18" charset="0"/>
+                          </a:rPr>
+                          <m:t>о</m:t>
+                        </m:r>
+                        <m:r>
+                          <a:rPr lang="en-US" sz="2200" b="0" i="1" smtClean="0">
+                            <a:latin typeface="Cambria Math" panose="02040503050406030204" pitchFamily="18" charset="0"/>
+                          </a:rPr>
+                          <m:t>|</m:t>
+                        </m:r>
+                        <m:r>
                           <a:rPr lang="ru-RU" sz="2200" i="1">
                             <a:latin typeface="Cambria Math" panose="02040503050406030204" pitchFamily="18" charset="0"/>
                           </a:rPr>
-                          <m:t>1</m:t>
+                          <m:t>з</m:t>
                         </m:r>
                       </m:sub>
                     </m:sSub>
                   </m:oMath>
                 </a14:m>
                 <a:r>
+                  <a:rPr lang="ru-RU" sz="2200" dirty="0" smtClean="0"/>
+                  <a:t> - среднеквадратичное отклонение для закрытого / открытого текста</a:t>
+                </a:r>
+              </a:p>
+              <a:p>
+                <a:pPr>
+                  <a:lnSpc>
+                    <a:spcPct val="120000"/>
+                  </a:lnSpc>
+                </a:pPr>
+                <a:r>
                   <a:rPr lang="ru-RU" sz="2200" dirty="0"/>
-                  <a:t> и испытания заканчивают. </a:t>
+                  <a:t> </a:t>
                 </a:r>
                 <a:endParaRPr lang="ru-RU" sz="2200" dirty="0" smtClean="0"/>
               </a:p>
@@ -6848,495 +7506,6 @@
                     <a:spcPct val="120000"/>
                   </a:lnSpc>
                 </a:pPr>
-                <a:r>
-                  <a:rPr lang="ru-RU" sz="2200" dirty="0"/>
-                  <a:t>	</a:t>
-                </a:r>
-                <a:r>
-                  <a:rPr lang="ru-RU" sz="2200" dirty="0" smtClean="0"/>
-                  <a:t>В </a:t>
-                </a:r>
-                <a:r>
-                  <a:rPr lang="ru-RU" sz="2200" dirty="0"/>
-                  <a:t>случае попадания выборки в область </a:t>
-                </a:r>
-                <a14:m>
-                  <m:oMath xmlns:m="http://schemas.openxmlformats.org/officeDocument/2006/math">
-                    <m:sSubSup>
-                      <m:sSubSupPr>
-                        <m:ctrlPr>
-                          <a:rPr lang="ru-RU" sz="2200" i="1">
-                            <a:latin typeface="Cambria Math" panose="02040503050406030204" pitchFamily="18" charset="0"/>
-                          </a:rPr>
-                        </m:ctrlPr>
-                      </m:sSubSupPr>
-                      <m:e>
-                        <m:r>
-                          <a:rPr lang="en-US" sz="2200" i="1">
-                            <a:latin typeface="Cambria Math" panose="02040503050406030204" pitchFamily="18" charset="0"/>
-                          </a:rPr>
-                          <m:t>𝐸</m:t>
-                        </m:r>
-                      </m:e>
-                      <m:sub>
-                        <m:r>
-                          <a:rPr lang="ru-RU" sz="2200" i="1">
-                            <a:latin typeface="Cambria Math" panose="02040503050406030204" pitchFamily="18" charset="0"/>
-                          </a:rPr>
-                          <m:t>∗</m:t>
-                        </m:r>
-                      </m:sub>
-                      <m:sup>
-                        <m:r>
-                          <a:rPr lang="ru-RU" sz="2200" i="1">
-                            <a:latin typeface="Cambria Math" panose="02040503050406030204" pitchFamily="18" charset="0"/>
-                          </a:rPr>
-                          <m:t>(</m:t>
-                        </m:r>
-                        <m:r>
-                          <a:rPr lang="en-US" sz="2200" i="1">
-                            <a:latin typeface="Cambria Math" panose="02040503050406030204" pitchFamily="18" charset="0"/>
-                          </a:rPr>
-                          <m:t>𝑛</m:t>
-                        </m:r>
-                        <m:r>
-                          <a:rPr lang="ru-RU" sz="2200" i="1">
-                            <a:latin typeface="Cambria Math" panose="02040503050406030204" pitchFamily="18" charset="0"/>
-                          </a:rPr>
-                          <m:t>)</m:t>
-                        </m:r>
-                      </m:sup>
-                    </m:sSubSup>
-                  </m:oMath>
-                </a14:m>
-                <a:r>
-                  <a:rPr lang="ru-RU" sz="2200" dirty="0"/>
-                  <a:t> не принимают ни одной гипотезы, а производят следующее испытание </a:t>
-                </a:r>
-                <a14:m>
-                  <m:oMath xmlns:m="http://schemas.openxmlformats.org/officeDocument/2006/math">
-                    <m:sSub>
-                      <m:sSubPr>
-                        <m:ctrlPr>
-                          <a:rPr lang="ru-RU" sz="2200" i="1">
-                            <a:latin typeface="Cambria Math" panose="02040503050406030204" pitchFamily="18" charset="0"/>
-                          </a:rPr>
-                        </m:ctrlPr>
-                      </m:sSubPr>
-                      <m:e>
-                        <m:r>
-                          <a:rPr lang="ru-RU" sz="2200" i="1">
-                            <a:latin typeface="Cambria Math" panose="02040503050406030204" pitchFamily="18" charset="0"/>
-                          </a:rPr>
-                          <m:t>𝑥</m:t>
-                        </m:r>
-                      </m:e>
-                      <m:sub>
-                        <m:r>
-                          <a:rPr lang="ru-RU" sz="2200" i="1">
-                            <a:latin typeface="Cambria Math" panose="02040503050406030204" pitchFamily="18" charset="0"/>
-                          </a:rPr>
-                          <m:t>𝑛</m:t>
-                        </m:r>
-                        <m:r>
-                          <a:rPr lang="ru-RU" sz="2200" i="1">
-                            <a:latin typeface="Cambria Math" panose="02040503050406030204" pitchFamily="18" charset="0"/>
-                          </a:rPr>
-                          <m:t>+1</m:t>
-                        </m:r>
-                      </m:sub>
-                    </m:sSub>
-                  </m:oMath>
-                </a14:m>
-                <a:r>
-                  <a:rPr lang="ru-RU" sz="2200" dirty="0"/>
-                  <a:t> и анализируют аналогично предыдущему выборку </a:t>
-                </a:r>
-                <a14:m>
-                  <m:oMath xmlns:m="http://schemas.openxmlformats.org/officeDocument/2006/math">
-                    <m:sSub>
-                      <m:sSubPr>
-                        <m:ctrlPr>
-                          <a:rPr lang="ru-RU" sz="2200" i="1">
-                            <a:latin typeface="Cambria Math" panose="02040503050406030204" pitchFamily="18" charset="0"/>
-                          </a:rPr>
-                        </m:ctrlPr>
-                      </m:sSubPr>
-                      <m:e>
-                        <m:r>
-                          <a:rPr lang="ru-RU" sz="2200" i="1">
-                            <a:latin typeface="Cambria Math" panose="02040503050406030204" pitchFamily="18" charset="0"/>
-                          </a:rPr>
-                          <m:t>(</m:t>
-                        </m:r>
-                        <m:r>
-                          <a:rPr lang="ru-RU" sz="2200" i="1">
-                            <a:latin typeface="Cambria Math" panose="02040503050406030204" pitchFamily="18" charset="0"/>
-                          </a:rPr>
-                          <m:t>𝑥</m:t>
-                        </m:r>
-                      </m:e>
-                      <m:sub>
-                        <m:r>
-                          <a:rPr lang="ru-RU" sz="2200" i="1">
-                            <a:latin typeface="Cambria Math" panose="02040503050406030204" pitchFamily="18" charset="0"/>
-                          </a:rPr>
-                          <m:t>1</m:t>
-                        </m:r>
-                      </m:sub>
-                    </m:sSub>
-                    <m:r>
-                      <a:rPr lang="ru-RU" sz="2200" i="1">
-                        <a:latin typeface="Cambria Math" panose="02040503050406030204" pitchFamily="18" charset="0"/>
-                      </a:rPr>
-                      <m:t>,</m:t>
-                    </m:r>
-                    <m:sSub>
-                      <m:sSubPr>
-                        <m:ctrlPr>
-                          <a:rPr lang="ru-RU" sz="2200" i="1">
-                            <a:latin typeface="Cambria Math" panose="02040503050406030204" pitchFamily="18" charset="0"/>
-                          </a:rPr>
-                        </m:ctrlPr>
-                      </m:sSubPr>
-                      <m:e>
-                        <m:r>
-                          <a:rPr lang="ru-RU" sz="2200" i="1">
-                            <a:latin typeface="Cambria Math" panose="02040503050406030204" pitchFamily="18" charset="0"/>
-                          </a:rPr>
-                          <m:t>𝑥</m:t>
-                        </m:r>
-                      </m:e>
-                      <m:sub>
-                        <m:r>
-                          <a:rPr lang="ru-RU" sz="2200" i="1">
-                            <a:latin typeface="Cambria Math" panose="02040503050406030204" pitchFamily="18" charset="0"/>
-                          </a:rPr>
-                          <m:t>2</m:t>
-                        </m:r>
-                      </m:sub>
-                    </m:sSub>
-                    <m:r>
-                      <a:rPr lang="ru-RU" sz="2200" i="1">
-                        <a:latin typeface="Cambria Math" panose="02040503050406030204" pitchFamily="18" charset="0"/>
-                      </a:rPr>
-                      <m:t>…,</m:t>
-                    </m:r>
-                    <m:sSub>
-                      <m:sSubPr>
-                        <m:ctrlPr>
-                          <a:rPr lang="ru-RU" sz="2200" i="1">
-                            <a:latin typeface="Cambria Math" panose="02040503050406030204" pitchFamily="18" charset="0"/>
-                          </a:rPr>
-                        </m:ctrlPr>
-                      </m:sSubPr>
-                      <m:e>
-                        <m:r>
-                          <a:rPr lang="ru-RU" sz="2200" i="1">
-                            <a:latin typeface="Cambria Math" panose="02040503050406030204" pitchFamily="18" charset="0"/>
-                          </a:rPr>
-                          <m:t>𝑥</m:t>
-                        </m:r>
-                      </m:e>
-                      <m:sub>
-                        <m:r>
-                          <a:rPr lang="ru-RU" sz="2200" i="1">
-                            <a:latin typeface="Cambria Math" panose="02040503050406030204" pitchFamily="18" charset="0"/>
-                          </a:rPr>
-                          <m:t>𝑛</m:t>
-                        </m:r>
-                      </m:sub>
-                    </m:sSub>
-                    <m:r>
-                      <a:rPr lang="ru-RU" sz="2200" i="1">
-                        <a:latin typeface="Cambria Math" panose="02040503050406030204" pitchFamily="18" charset="0"/>
-                      </a:rPr>
-                      <m:t>, </m:t>
-                    </m:r>
-                    <m:sSub>
-                      <m:sSubPr>
-                        <m:ctrlPr>
-                          <a:rPr lang="ru-RU" sz="2200" i="1">
-                            <a:latin typeface="Cambria Math" panose="02040503050406030204" pitchFamily="18" charset="0"/>
-                          </a:rPr>
-                        </m:ctrlPr>
-                      </m:sSubPr>
-                      <m:e>
-                        <m:r>
-                          <a:rPr lang="ru-RU" sz="2200" i="1">
-                            <a:latin typeface="Cambria Math" panose="02040503050406030204" pitchFamily="18" charset="0"/>
-                          </a:rPr>
-                          <m:t>𝑥</m:t>
-                        </m:r>
-                      </m:e>
-                      <m:sub>
-                        <m:r>
-                          <a:rPr lang="en-US" sz="2200" i="1">
-                            <a:latin typeface="Cambria Math" panose="02040503050406030204" pitchFamily="18" charset="0"/>
-                          </a:rPr>
-                          <m:t>𝑛</m:t>
-                        </m:r>
-                        <m:r>
-                          <a:rPr lang="ru-RU" sz="2200" i="1">
-                            <a:latin typeface="Cambria Math" panose="02040503050406030204" pitchFamily="18" charset="0"/>
-                          </a:rPr>
-                          <m:t>+1</m:t>
-                        </m:r>
-                      </m:sub>
-                    </m:sSub>
-                    <m:r>
-                      <a:rPr lang="ru-RU" sz="2200" i="1">
-                        <a:latin typeface="Cambria Math" panose="02040503050406030204" pitchFamily="18" charset="0"/>
-                      </a:rPr>
-                      <m:t>)</m:t>
-                    </m:r>
-                  </m:oMath>
-                </a14:m>
-                <a:r>
-                  <a:rPr lang="ru-RU" sz="2200" dirty="0"/>
-                  <a:t>.</a:t>
-                </a:r>
-                <a:endParaRPr lang="ru-RU" sz="2200" dirty="0" smtClean="0"/>
-              </a:p>
-              <a:p>
-                <a:pPr>
-                  <a:lnSpc>
-                    <a:spcPct val="130000"/>
-                  </a:lnSpc>
-                </a:pPr>
-                <a:r>
-                  <a:rPr lang="ru-RU" sz="2200" dirty="0" smtClean="0"/>
-                  <a:t>	В данной работе к качестве гипотезы </a:t>
-                </a:r>
-                <a14:m>
-                  <m:oMath xmlns:m="http://schemas.openxmlformats.org/officeDocument/2006/math">
-                    <m:sSub>
-                      <m:sSubPr>
-                        <m:ctrlPr>
-                          <a:rPr lang="ru-RU" sz="2200" i="1">
-                            <a:latin typeface="Cambria Math" panose="02040503050406030204" pitchFamily="18" charset="0"/>
-                          </a:rPr>
-                        </m:ctrlPr>
-                      </m:sSubPr>
-                      <m:e>
-                        <m:r>
-                          <a:rPr lang="ru-RU" sz="2200" i="1">
-                            <a:latin typeface="Cambria Math" panose="02040503050406030204" pitchFamily="18" charset="0"/>
-                          </a:rPr>
-                          <m:t>𝐻</m:t>
-                        </m:r>
-                      </m:e>
-                      <m:sub>
-                        <m:r>
-                          <a:rPr lang="ru-RU" sz="2200" i="1">
-                            <a:latin typeface="Cambria Math" panose="02040503050406030204" pitchFamily="18" charset="0"/>
-                          </a:rPr>
-                          <m:t>0</m:t>
-                        </m:r>
-                      </m:sub>
-                    </m:sSub>
-                  </m:oMath>
-                </a14:m>
-                <a:r>
-                  <a:rPr lang="ru-RU" sz="2200" dirty="0" smtClean="0"/>
-                  <a:t> выступает гипотеза о том, что текст является открытым, а в </a:t>
-                </a:r>
-                <a14:m>
-                  <m:oMath xmlns:m="http://schemas.openxmlformats.org/officeDocument/2006/math">
-                    <m:sSub>
-                      <m:sSubPr>
-                        <m:ctrlPr>
-                          <a:rPr lang="ru-RU" sz="2200" i="1">
-                            <a:latin typeface="Cambria Math" panose="02040503050406030204" pitchFamily="18" charset="0"/>
-                          </a:rPr>
-                        </m:ctrlPr>
-                      </m:sSubPr>
-                      <m:e>
-                        <m:r>
-                          <a:rPr lang="ru-RU" sz="2200" i="1">
-                            <a:latin typeface="Cambria Math" panose="02040503050406030204" pitchFamily="18" charset="0"/>
-                          </a:rPr>
-                          <m:t>𝐻</m:t>
-                        </m:r>
-                      </m:e>
-                      <m:sub>
-                        <m:r>
-                          <a:rPr lang="ru-RU" sz="2200" i="1">
-                            <a:latin typeface="Cambria Math" panose="02040503050406030204" pitchFamily="18" charset="0"/>
-                          </a:rPr>
-                          <m:t>1</m:t>
-                        </m:r>
-                      </m:sub>
-                    </m:sSub>
-                  </m:oMath>
-                </a14:m>
-                <a:r>
-                  <a:rPr lang="ru-RU" sz="2200" dirty="0" smtClean="0"/>
-                  <a:t> - закрытым. Границы множества </a:t>
-                </a:r>
-                <a14:m>
-                  <m:oMath xmlns:m="http://schemas.openxmlformats.org/officeDocument/2006/math">
-                    <m:sSubSup>
-                      <m:sSubSupPr>
-                        <m:ctrlPr>
-                          <a:rPr lang="ru-RU" sz="2200" i="1">
-                            <a:latin typeface="Cambria Math" panose="02040503050406030204" pitchFamily="18" charset="0"/>
-                          </a:rPr>
-                        </m:ctrlPr>
-                      </m:sSubSupPr>
-                      <m:e>
-                        <m:r>
-                          <a:rPr lang="en-US" sz="2200" i="1">
-                            <a:latin typeface="Cambria Math" panose="02040503050406030204" pitchFamily="18" charset="0"/>
-                          </a:rPr>
-                          <m:t>𝐸</m:t>
-                        </m:r>
-                      </m:e>
-                      <m:sub>
-                        <m:r>
-                          <a:rPr lang="ru-RU" sz="2200" i="1">
-                            <a:latin typeface="Cambria Math" panose="02040503050406030204" pitchFamily="18" charset="0"/>
-                          </a:rPr>
-                          <m:t>0</m:t>
-                        </m:r>
-                      </m:sub>
-                      <m:sup>
-                        <m:r>
-                          <a:rPr lang="ru-RU" sz="2200" i="1">
-                            <a:latin typeface="Cambria Math" panose="02040503050406030204" pitchFamily="18" charset="0"/>
-                          </a:rPr>
-                          <m:t>(</m:t>
-                        </m:r>
-                        <m:r>
-                          <a:rPr lang="en-US" sz="2200" i="1">
-                            <a:latin typeface="Cambria Math" panose="02040503050406030204" pitchFamily="18" charset="0"/>
-                          </a:rPr>
-                          <m:t>𝑛</m:t>
-                        </m:r>
-                        <m:r>
-                          <a:rPr lang="ru-RU" sz="2200" i="1">
-                            <a:latin typeface="Cambria Math" panose="02040503050406030204" pitchFamily="18" charset="0"/>
-                          </a:rPr>
-                          <m:t>)</m:t>
-                        </m:r>
-                      </m:sup>
-                    </m:sSubSup>
-                    <m:r>
-                      <a:rPr lang="ru-RU" sz="2200" i="1">
-                        <a:latin typeface="Cambria Math" panose="02040503050406030204" pitchFamily="18" charset="0"/>
-                      </a:rPr>
-                      <m:t>,</m:t>
-                    </m:r>
-                  </m:oMath>
-                </a14:m>
-                <a:r>
-                  <a:rPr lang="ru-RU" sz="2200" dirty="0"/>
-                  <a:t> </a:t>
-                </a:r>
-                <a14:m>
-                  <m:oMath xmlns:m="http://schemas.openxmlformats.org/officeDocument/2006/math">
-                    <m:sSubSup>
-                      <m:sSubSupPr>
-                        <m:ctrlPr>
-                          <a:rPr lang="ru-RU" sz="2200" i="1">
-                            <a:latin typeface="Cambria Math" panose="02040503050406030204" pitchFamily="18" charset="0"/>
-                          </a:rPr>
-                        </m:ctrlPr>
-                      </m:sSubSupPr>
-                      <m:e>
-                        <m:r>
-                          <a:rPr lang="en-US" sz="2200" i="1">
-                            <a:latin typeface="Cambria Math" panose="02040503050406030204" pitchFamily="18" charset="0"/>
-                          </a:rPr>
-                          <m:t>𝐸</m:t>
-                        </m:r>
-                      </m:e>
-                      <m:sub>
-                        <m:r>
-                          <a:rPr lang="ru-RU" sz="2200" i="1">
-                            <a:latin typeface="Cambria Math" panose="02040503050406030204" pitchFamily="18" charset="0"/>
-                          </a:rPr>
-                          <m:t>∗</m:t>
-                        </m:r>
-                      </m:sub>
-                      <m:sup>
-                        <m:r>
-                          <a:rPr lang="ru-RU" sz="2200" i="1">
-                            <a:latin typeface="Cambria Math" panose="02040503050406030204" pitchFamily="18" charset="0"/>
-                          </a:rPr>
-                          <m:t>(</m:t>
-                        </m:r>
-                        <m:r>
-                          <a:rPr lang="en-US" sz="2200" i="1">
-                            <a:latin typeface="Cambria Math" panose="02040503050406030204" pitchFamily="18" charset="0"/>
-                          </a:rPr>
-                          <m:t>𝑛</m:t>
-                        </m:r>
-                        <m:r>
-                          <a:rPr lang="ru-RU" sz="2200" i="1">
-                            <a:latin typeface="Cambria Math" panose="02040503050406030204" pitchFamily="18" charset="0"/>
-                          </a:rPr>
-                          <m:t>)</m:t>
-                        </m:r>
-                      </m:sup>
-                    </m:sSubSup>
-                    <m:r>
-                      <a:rPr lang="ru-RU" sz="2200" i="1">
-                        <a:latin typeface="Cambria Math" panose="02040503050406030204" pitchFamily="18" charset="0"/>
-                      </a:rPr>
-                      <m:t>,</m:t>
-                    </m:r>
-                    <m:sSubSup>
-                      <m:sSubSupPr>
-                        <m:ctrlPr>
-                          <a:rPr lang="ru-RU" sz="2200" i="1">
-                            <a:latin typeface="Cambria Math" panose="02040503050406030204" pitchFamily="18" charset="0"/>
-                          </a:rPr>
-                        </m:ctrlPr>
-                      </m:sSubSupPr>
-                      <m:e>
-                        <m:r>
-                          <a:rPr lang="en-US" sz="2200" i="1">
-                            <a:latin typeface="Cambria Math" panose="02040503050406030204" pitchFamily="18" charset="0"/>
-                          </a:rPr>
-                          <m:t>𝐸</m:t>
-                        </m:r>
-                      </m:e>
-                      <m:sub>
-                        <m:r>
-                          <a:rPr lang="ru-RU" sz="2200" i="1">
-                            <a:latin typeface="Cambria Math" panose="02040503050406030204" pitchFamily="18" charset="0"/>
-                          </a:rPr>
-                          <m:t>1</m:t>
-                        </m:r>
-                      </m:sub>
-                      <m:sup>
-                        <m:r>
-                          <a:rPr lang="ru-RU" sz="2200" i="1">
-                            <a:latin typeface="Cambria Math" panose="02040503050406030204" pitchFamily="18" charset="0"/>
-                          </a:rPr>
-                          <m:t>(</m:t>
-                        </m:r>
-                        <m:r>
-                          <a:rPr lang="en-US" sz="2200" i="1">
-                            <a:latin typeface="Cambria Math" panose="02040503050406030204" pitchFamily="18" charset="0"/>
-                          </a:rPr>
-                          <m:t>𝑛</m:t>
-                        </m:r>
-                        <m:r>
-                          <a:rPr lang="ru-RU" sz="2200" i="1">
-                            <a:latin typeface="Cambria Math" panose="02040503050406030204" pitchFamily="18" charset="0"/>
-                          </a:rPr>
-                          <m:t>)</m:t>
-                        </m:r>
-                      </m:sup>
-                    </m:sSubSup>
-                  </m:oMath>
-                </a14:m>
-                <a:r>
-                  <a:rPr lang="ru-RU" sz="2200" dirty="0" smtClean="0"/>
-                  <a:t> выбираются путем подсчета значений порогов, основанных на коэффициенте правдоподобия.</a:t>
-                </a:r>
                 <a:endParaRPr lang="ru-RU" sz="2200" dirty="0"/>
               </a:p>
             </p:txBody>
@@ -7354,15 +7523,15 @@
             <p:spPr>
               <a:xfrm>
                 <a:off x="7002" y="1520664"/>
-                <a:ext cx="12184997" cy="4721870"/>
+                <a:ext cx="12184997" cy="4404796"/>
               </a:xfrm>
               <a:prstGeom prst="rect">
                 <a:avLst/>
               </a:prstGeom>
               <a:blipFill>
-                <a:blip r:embed="rId4"/>
+                <a:blip r:embed="rId3"/>
                 <a:stretch>
-                  <a:fillRect l="-650" r="-750" b="-1677"/>
+                  <a:fillRect l="-650" r="-450"/>
                 </a:stretch>
               </a:blipFill>
             </p:spPr>
@@ -7539,10 +7708,646 @@
           </a:p>
         </p:txBody>
       </p:sp>
+      <p:graphicFrame>
+        <p:nvGraphicFramePr>
+          <p:cNvPr id="4" name="Таблица 3"/>
+          <p:cNvGraphicFramePr>
+            <a:graphicFrameLocks noGrp="1"/>
+          </p:cNvGraphicFramePr>
+          <p:nvPr>
+            <p:extLst>
+              <p:ext uri="{D42A27DB-BD31-4B8C-83A1-F6EECF244321}">
+                <p14:modId xmlns:p14="http://schemas.microsoft.com/office/powerpoint/2010/main" val="1059192467"/>
+              </p:ext>
+            </p:extLst>
+          </p:nvPr>
+        </p:nvGraphicFramePr>
+        <p:xfrm>
+          <a:off x="2032000" y="5128535"/>
+          <a:ext cx="8127999" cy="1112520"/>
+        </p:xfrm>
+        <a:graphic>
+          <a:graphicData uri="http://schemas.openxmlformats.org/drawingml/2006/table">
+            <a:tbl>
+              <a:tblPr firstRow="1" bandRow="1">
+                <a:tableStyleId>{5C22544A-7EE6-4342-B048-85BDC9FD1C3A}</a:tableStyleId>
+              </a:tblPr>
+              <a:tblGrid>
+                <a:gridCol w="2709333">
+                  <a:extLst>
+                    <a:ext uri="{9D8B030D-6E8A-4147-A177-3AD203B41FA5}">
+                      <a16:colId xmlns:a16="http://schemas.microsoft.com/office/drawing/2014/main" val="1561828508"/>
+                    </a:ext>
+                  </a:extLst>
+                </a:gridCol>
+                <a:gridCol w="2709333">
+                  <a:extLst>
+                    <a:ext uri="{9D8B030D-6E8A-4147-A177-3AD203B41FA5}">
+                      <a16:colId xmlns:a16="http://schemas.microsoft.com/office/drawing/2014/main" val="484350529"/>
+                    </a:ext>
+                  </a:extLst>
+                </a:gridCol>
+                <a:gridCol w="2709333">
+                  <a:extLst>
+                    <a:ext uri="{9D8B030D-6E8A-4147-A177-3AD203B41FA5}">
+                      <a16:colId xmlns:a16="http://schemas.microsoft.com/office/drawing/2014/main" val="49407943"/>
+                    </a:ext>
+                  </a:extLst>
+                </a:gridCol>
+              </a:tblGrid>
+              <a:tr h="370840">
+                <a:tc>
+                  <a:txBody>
+                    <a:bodyPr/>
+                    <a:lstStyle/>
+                    <a:p>
+                      <a:endParaRPr lang="ru-RU" dirty="0"/>
+                    </a:p>
+                  </a:txBody>
+                  <a:tcPr>
+                    <a:lnL w="12700" cap="flat" cmpd="sng" algn="ctr">
+                      <a:solidFill>
+                        <a:schemeClr val="tx1"/>
+                      </a:solidFill>
+                      <a:prstDash val="solid"/>
+                      <a:round/>
+                      <a:headEnd type="none" w="med" len="med"/>
+                      <a:tailEnd type="none" w="med" len="med"/>
+                    </a:lnL>
+                    <a:lnR w="12700" cap="flat" cmpd="sng" algn="ctr">
+                      <a:solidFill>
+                        <a:schemeClr val="tx1"/>
+                      </a:solidFill>
+                      <a:prstDash val="solid"/>
+                      <a:round/>
+                      <a:headEnd type="none" w="med" len="med"/>
+                      <a:tailEnd type="none" w="med" len="med"/>
+                    </a:lnR>
+                    <a:lnT w="12700" cap="flat" cmpd="sng" algn="ctr">
+                      <a:solidFill>
+                        <a:schemeClr val="tx1"/>
+                      </a:solidFill>
+                      <a:prstDash val="solid"/>
+                      <a:round/>
+                      <a:headEnd type="none" w="med" len="med"/>
+                      <a:tailEnd type="none" w="med" len="med"/>
+                    </a:lnT>
+                    <a:lnB w="12700" cap="flat" cmpd="sng" algn="ctr">
+                      <a:solidFill>
+                        <a:schemeClr val="tx1"/>
+                      </a:solidFill>
+                      <a:prstDash val="solid"/>
+                      <a:round/>
+                      <a:headEnd type="none" w="med" len="med"/>
+                      <a:tailEnd type="none" w="med" len="med"/>
+                    </a:lnB>
+                    <a:lnTlToBr w="12700" cmpd="sng">
+                      <a:noFill/>
+                      <a:prstDash val="solid"/>
+                    </a:lnTlToBr>
+                    <a:lnBlToTr w="12700" cmpd="sng">
+                      <a:noFill/>
+                      <a:prstDash val="solid"/>
+                    </a:lnBlToTr>
+                    <a:noFill/>
+                  </a:tcPr>
+                </a:tc>
+                <a:tc>
+                  <a:txBody>
+                    <a:bodyPr/>
+                    <a:lstStyle/>
+                    <a:p>
+                      <a:r>
+                        <a:rPr lang="ru-RU" dirty="0" smtClean="0">
+                          <a:solidFill>
+                            <a:schemeClr val="tx1">
+                              <a:lumMod val="95000"/>
+                              <a:lumOff val="5000"/>
+                            </a:schemeClr>
+                          </a:solidFill>
+                        </a:rPr>
+                        <a:t>Открытый текст</a:t>
+                      </a:r>
+                      <a:endParaRPr lang="ru-RU" dirty="0">
+                        <a:solidFill>
+                          <a:schemeClr val="tx1">
+                            <a:lumMod val="95000"/>
+                            <a:lumOff val="5000"/>
+                          </a:schemeClr>
+                        </a:solidFill>
+                      </a:endParaRPr>
+                    </a:p>
+                  </a:txBody>
+                  <a:tcPr>
+                    <a:lnL w="12700" cap="flat" cmpd="sng" algn="ctr">
+                      <a:solidFill>
+                        <a:schemeClr val="tx1"/>
+                      </a:solidFill>
+                      <a:prstDash val="solid"/>
+                      <a:round/>
+                      <a:headEnd type="none" w="med" len="med"/>
+                      <a:tailEnd type="none" w="med" len="med"/>
+                    </a:lnL>
+                    <a:lnR w="12700" cap="flat" cmpd="sng" algn="ctr">
+                      <a:solidFill>
+                        <a:schemeClr val="tx1"/>
+                      </a:solidFill>
+                      <a:prstDash val="solid"/>
+                      <a:round/>
+                      <a:headEnd type="none" w="med" len="med"/>
+                      <a:tailEnd type="none" w="med" len="med"/>
+                    </a:lnR>
+                    <a:lnT w="12700" cap="flat" cmpd="sng" algn="ctr">
+                      <a:solidFill>
+                        <a:schemeClr val="tx1"/>
+                      </a:solidFill>
+                      <a:prstDash val="solid"/>
+                      <a:round/>
+                      <a:headEnd type="none" w="med" len="med"/>
+                      <a:tailEnd type="none" w="med" len="med"/>
+                    </a:lnT>
+                    <a:lnB w="12700" cap="flat" cmpd="sng" algn="ctr">
+                      <a:solidFill>
+                        <a:schemeClr val="tx1"/>
+                      </a:solidFill>
+                      <a:prstDash val="solid"/>
+                      <a:round/>
+                      <a:headEnd type="none" w="med" len="med"/>
+                      <a:tailEnd type="none" w="med" len="med"/>
+                    </a:lnB>
+                    <a:lnTlToBr w="12700" cmpd="sng">
+                      <a:noFill/>
+                      <a:prstDash val="solid"/>
+                    </a:lnTlToBr>
+                    <a:lnBlToTr w="12700" cmpd="sng">
+                      <a:noFill/>
+                      <a:prstDash val="solid"/>
+                    </a:lnBlToTr>
+                    <a:noFill/>
+                  </a:tcPr>
+                </a:tc>
+                <a:tc>
+                  <a:txBody>
+                    <a:bodyPr/>
+                    <a:lstStyle/>
+                    <a:p>
+                      <a:r>
+                        <a:rPr lang="ru-RU" dirty="0" smtClean="0">
+                          <a:solidFill>
+                            <a:schemeClr val="tx1">
+                              <a:lumMod val="95000"/>
+                              <a:lumOff val="5000"/>
+                            </a:schemeClr>
+                          </a:solidFill>
+                        </a:rPr>
+                        <a:t>Закрытый текст</a:t>
+                      </a:r>
+                      <a:endParaRPr lang="ru-RU" dirty="0">
+                        <a:solidFill>
+                          <a:schemeClr val="tx1">
+                            <a:lumMod val="95000"/>
+                            <a:lumOff val="5000"/>
+                          </a:schemeClr>
+                        </a:solidFill>
+                      </a:endParaRPr>
+                    </a:p>
+                  </a:txBody>
+                  <a:tcPr>
+                    <a:lnL w="12700" cap="flat" cmpd="sng" algn="ctr">
+                      <a:solidFill>
+                        <a:schemeClr val="tx1"/>
+                      </a:solidFill>
+                      <a:prstDash val="solid"/>
+                      <a:round/>
+                      <a:headEnd type="none" w="med" len="med"/>
+                      <a:tailEnd type="none" w="med" len="med"/>
+                    </a:lnL>
+                    <a:lnR w="12700" cap="flat" cmpd="sng" algn="ctr">
+                      <a:solidFill>
+                        <a:schemeClr val="tx1"/>
+                      </a:solidFill>
+                      <a:prstDash val="solid"/>
+                      <a:round/>
+                      <a:headEnd type="none" w="med" len="med"/>
+                      <a:tailEnd type="none" w="med" len="med"/>
+                    </a:lnR>
+                    <a:lnT w="12700" cap="flat" cmpd="sng" algn="ctr">
+                      <a:solidFill>
+                        <a:schemeClr val="tx1"/>
+                      </a:solidFill>
+                      <a:prstDash val="solid"/>
+                      <a:round/>
+                      <a:headEnd type="none" w="med" len="med"/>
+                      <a:tailEnd type="none" w="med" len="med"/>
+                    </a:lnT>
+                    <a:lnB w="12700" cap="flat" cmpd="sng" algn="ctr">
+                      <a:solidFill>
+                        <a:schemeClr val="tx1"/>
+                      </a:solidFill>
+                      <a:prstDash val="solid"/>
+                      <a:round/>
+                      <a:headEnd type="none" w="med" len="med"/>
+                      <a:tailEnd type="none" w="med" len="med"/>
+                    </a:lnB>
+                    <a:lnTlToBr w="12700" cmpd="sng">
+                      <a:noFill/>
+                      <a:prstDash val="solid"/>
+                    </a:lnTlToBr>
+                    <a:lnBlToTr w="12700" cmpd="sng">
+                      <a:noFill/>
+                      <a:prstDash val="solid"/>
+                    </a:lnBlToTr>
+                    <a:noFill/>
+                  </a:tcPr>
+                </a:tc>
+                <a:extLst>
+                  <a:ext uri="{0D108BD9-81ED-4DB2-BD59-A6C34878D82A}">
+                    <a16:rowId xmlns:a16="http://schemas.microsoft.com/office/drawing/2014/main" val="4291382364"/>
+                  </a:ext>
+                </a:extLst>
+              </a:tr>
+              <a:tr h="370840">
+                <a:tc>
+                  <a:txBody>
+                    <a:bodyPr/>
+                    <a:lstStyle/>
+                    <a:p>
+                      <a:r>
+                        <a:rPr lang="ru-RU" dirty="0" smtClean="0"/>
+                        <a:t>Верхний порог</a:t>
+                      </a:r>
+                      <a:endParaRPr lang="ru-RU" dirty="0"/>
+                    </a:p>
+                  </a:txBody>
+                  <a:tcPr>
+                    <a:lnL w="12700" cap="flat" cmpd="sng" algn="ctr">
+                      <a:solidFill>
+                        <a:schemeClr val="tx1"/>
+                      </a:solidFill>
+                      <a:prstDash val="solid"/>
+                      <a:round/>
+                      <a:headEnd type="none" w="med" len="med"/>
+                      <a:tailEnd type="none" w="med" len="med"/>
+                    </a:lnL>
+                    <a:lnR w="12700" cap="flat" cmpd="sng" algn="ctr">
+                      <a:solidFill>
+                        <a:schemeClr val="tx1"/>
+                      </a:solidFill>
+                      <a:prstDash val="solid"/>
+                      <a:round/>
+                      <a:headEnd type="none" w="med" len="med"/>
+                      <a:tailEnd type="none" w="med" len="med"/>
+                    </a:lnR>
+                    <a:lnT w="12700" cap="flat" cmpd="sng" algn="ctr">
+                      <a:solidFill>
+                        <a:schemeClr val="tx1"/>
+                      </a:solidFill>
+                      <a:prstDash val="solid"/>
+                      <a:round/>
+                      <a:headEnd type="none" w="med" len="med"/>
+                      <a:tailEnd type="none" w="med" len="med"/>
+                    </a:lnT>
+                    <a:lnB w="12700" cap="flat" cmpd="sng" algn="ctr">
+                      <a:solidFill>
+                        <a:schemeClr val="tx1"/>
+                      </a:solidFill>
+                      <a:prstDash val="solid"/>
+                      <a:round/>
+                      <a:headEnd type="none" w="med" len="med"/>
+                      <a:tailEnd type="none" w="med" len="med"/>
+                    </a:lnB>
+                    <a:lnTlToBr w="12700" cmpd="sng">
+                      <a:noFill/>
+                      <a:prstDash val="solid"/>
+                    </a:lnTlToBr>
+                    <a:lnBlToTr w="12700" cmpd="sng">
+                      <a:noFill/>
+                      <a:prstDash val="solid"/>
+                    </a:lnBlToTr>
+                    <a:noFill/>
+                  </a:tcPr>
+                </a:tc>
+                <a:tc>
+                  <a:txBody>
+                    <a:bodyPr/>
+                    <a:lstStyle/>
+                    <a:p>
+                      <a:r>
+                        <a:rPr lang="ru-RU" dirty="0" smtClean="0"/>
+                        <a:t>5</a:t>
+                      </a:r>
+                      <a:endParaRPr lang="ru-RU" dirty="0"/>
+                    </a:p>
+                  </a:txBody>
+                  <a:tcPr>
+                    <a:lnL w="12700" cap="flat" cmpd="sng" algn="ctr">
+                      <a:solidFill>
+                        <a:schemeClr val="tx1"/>
+                      </a:solidFill>
+                      <a:prstDash val="solid"/>
+                      <a:round/>
+                      <a:headEnd type="none" w="med" len="med"/>
+                      <a:tailEnd type="none" w="med" len="med"/>
+                    </a:lnL>
+                    <a:lnR w="12700" cap="flat" cmpd="sng" algn="ctr">
+                      <a:solidFill>
+                        <a:schemeClr val="tx1"/>
+                      </a:solidFill>
+                      <a:prstDash val="solid"/>
+                      <a:round/>
+                      <a:headEnd type="none" w="med" len="med"/>
+                      <a:tailEnd type="none" w="med" len="med"/>
+                    </a:lnR>
+                    <a:lnT w="12700" cap="flat" cmpd="sng" algn="ctr">
+                      <a:solidFill>
+                        <a:schemeClr val="tx1"/>
+                      </a:solidFill>
+                      <a:prstDash val="solid"/>
+                      <a:round/>
+                      <a:headEnd type="none" w="med" len="med"/>
+                      <a:tailEnd type="none" w="med" len="med"/>
+                    </a:lnT>
+                    <a:lnB w="12700" cap="flat" cmpd="sng" algn="ctr">
+                      <a:solidFill>
+                        <a:schemeClr val="tx1"/>
+                      </a:solidFill>
+                      <a:prstDash val="solid"/>
+                      <a:round/>
+                      <a:headEnd type="none" w="med" len="med"/>
+                      <a:tailEnd type="none" w="med" len="med"/>
+                    </a:lnB>
+                    <a:lnTlToBr w="12700" cmpd="sng">
+                      <a:noFill/>
+                      <a:prstDash val="solid"/>
+                    </a:lnTlToBr>
+                    <a:lnBlToTr w="12700" cmpd="sng">
+                      <a:noFill/>
+                      <a:prstDash val="solid"/>
+                    </a:lnBlToTr>
+                    <a:noFill/>
+                  </a:tcPr>
+                </a:tc>
+                <a:tc>
+                  <a:txBody>
+                    <a:bodyPr/>
+                    <a:lstStyle/>
+                    <a:p>
+                      <a:r>
+                        <a:rPr lang="ru-RU" dirty="0" smtClean="0"/>
+                        <a:t>-500</a:t>
+                      </a:r>
+                      <a:endParaRPr lang="ru-RU" dirty="0"/>
+                    </a:p>
+                  </a:txBody>
+                  <a:tcPr>
+                    <a:lnL w="12700" cap="flat" cmpd="sng" algn="ctr">
+                      <a:solidFill>
+                        <a:schemeClr val="tx1"/>
+                      </a:solidFill>
+                      <a:prstDash val="solid"/>
+                      <a:round/>
+                      <a:headEnd type="none" w="med" len="med"/>
+                      <a:tailEnd type="none" w="med" len="med"/>
+                    </a:lnL>
+                    <a:lnR w="12700" cap="flat" cmpd="sng" algn="ctr">
+                      <a:solidFill>
+                        <a:schemeClr val="tx1"/>
+                      </a:solidFill>
+                      <a:prstDash val="solid"/>
+                      <a:round/>
+                      <a:headEnd type="none" w="med" len="med"/>
+                      <a:tailEnd type="none" w="med" len="med"/>
+                    </a:lnR>
+                    <a:lnT w="12700" cap="flat" cmpd="sng" algn="ctr">
+                      <a:solidFill>
+                        <a:schemeClr val="tx1"/>
+                      </a:solidFill>
+                      <a:prstDash val="solid"/>
+                      <a:round/>
+                      <a:headEnd type="none" w="med" len="med"/>
+                      <a:tailEnd type="none" w="med" len="med"/>
+                    </a:lnT>
+                    <a:lnB w="12700" cap="flat" cmpd="sng" algn="ctr">
+                      <a:solidFill>
+                        <a:schemeClr val="tx1"/>
+                      </a:solidFill>
+                      <a:prstDash val="solid"/>
+                      <a:round/>
+                      <a:headEnd type="none" w="med" len="med"/>
+                      <a:tailEnd type="none" w="med" len="med"/>
+                    </a:lnB>
+                    <a:lnTlToBr w="12700" cmpd="sng">
+                      <a:noFill/>
+                      <a:prstDash val="solid"/>
+                    </a:lnTlToBr>
+                    <a:lnBlToTr w="12700" cmpd="sng">
+                      <a:noFill/>
+                      <a:prstDash val="solid"/>
+                    </a:lnBlToTr>
+                    <a:noFill/>
+                  </a:tcPr>
+                </a:tc>
+                <a:extLst>
+                  <a:ext uri="{0D108BD9-81ED-4DB2-BD59-A6C34878D82A}">
+                    <a16:rowId xmlns:a16="http://schemas.microsoft.com/office/drawing/2014/main" val="2307878764"/>
+                  </a:ext>
+                </a:extLst>
+              </a:tr>
+              <a:tr h="370840">
+                <a:tc>
+                  <a:txBody>
+                    <a:bodyPr/>
+                    <a:lstStyle/>
+                    <a:p>
+                      <a:r>
+                        <a:rPr lang="ru-RU" dirty="0" smtClean="0"/>
+                        <a:t>Нижний порог</a:t>
+                      </a:r>
+                      <a:endParaRPr lang="ru-RU" dirty="0"/>
+                    </a:p>
+                  </a:txBody>
+                  <a:tcPr>
+                    <a:lnL w="12700" cap="flat" cmpd="sng" algn="ctr">
+                      <a:solidFill>
+                        <a:schemeClr val="tx1"/>
+                      </a:solidFill>
+                      <a:prstDash val="solid"/>
+                      <a:round/>
+                      <a:headEnd type="none" w="med" len="med"/>
+                      <a:tailEnd type="none" w="med" len="med"/>
+                    </a:lnL>
+                    <a:lnR w="12700" cap="flat" cmpd="sng" algn="ctr">
+                      <a:solidFill>
+                        <a:schemeClr val="tx1"/>
+                      </a:solidFill>
+                      <a:prstDash val="solid"/>
+                      <a:round/>
+                      <a:headEnd type="none" w="med" len="med"/>
+                      <a:tailEnd type="none" w="med" len="med"/>
+                    </a:lnR>
+                    <a:lnT w="12700" cap="flat" cmpd="sng" algn="ctr">
+                      <a:solidFill>
+                        <a:schemeClr val="tx1"/>
+                      </a:solidFill>
+                      <a:prstDash val="solid"/>
+                      <a:round/>
+                      <a:headEnd type="none" w="med" len="med"/>
+                      <a:tailEnd type="none" w="med" len="med"/>
+                    </a:lnT>
+                    <a:lnB w="12700" cap="flat" cmpd="sng" algn="ctr">
+                      <a:solidFill>
+                        <a:schemeClr val="tx1"/>
+                      </a:solidFill>
+                      <a:prstDash val="solid"/>
+                      <a:round/>
+                      <a:headEnd type="none" w="med" len="med"/>
+                      <a:tailEnd type="none" w="med" len="med"/>
+                    </a:lnB>
+                    <a:lnTlToBr w="12700" cmpd="sng">
+                      <a:noFill/>
+                      <a:prstDash val="solid"/>
+                    </a:lnTlToBr>
+                    <a:lnBlToTr w="12700" cmpd="sng">
+                      <a:noFill/>
+                      <a:prstDash val="solid"/>
+                    </a:lnBlToTr>
+                    <a:noFill/>
+                  </a:tcPr>
+                </a:tc>
+                <a:tc>
+                  <a:txBody>
+                    <a:bodyPr/>
+                    <a:lstStyle/>
+                    <a:p>
+                      <a:r>
+                        <a:rPr lang="ru-RU" dirty="0" smtClean="0"/>
+                        <a:t>11</a:t>
+                      </a:r>
+                      <a:endParaRPr lang="ru-RU" dirty="0"/>
+                    </a:p>
+                  </a:txBody>
+                  <a:tcPr>
+                    <a:lnL w="12700" cap="flat" cmpd="sng" algn="ctr">
+                      <a:solidFill>
+                        <a:schemeClr val="tx1"/>
+                      </a:solidFill>
+                      <a:prstDash val="solid"/>
+                      <a:round/>
+                      <a:headEnd type="none" w="med" len="med"/>
+                      <a:tailEnd type="none" w="med" len="med"/>
+                    </a:lnL>
+                    <a:lnR w="12700" cap="flat" cmpd="sng" algn="ctr">
+                      <a:solidFill>
+                        <a:schemeClr val="tx1"/>
+                      </a:solidFill>
+                      <a:prstDash val="solid"/>
+                      <a:round/>
+                      <a:headEnd type="none" w="med" len="med"/>
+                      <a:tailEnd type="none" w="med" len="med"/>
+                    </a:lnR>
+                    <a:lnT w="12700" cap="flat" cmpd="sng" algn="ctr">
+                      <a:solidFill>
+                        <a:schemeClr val="tx1"/>
+                      </a:solidFill>
+                      <a:prstDash val="solid"/>
+                      <a:round/>
+                      <a:headEnd type="none" w="med" len="med"/>
+                      <a:tailEnd type="none" w="med" len="med"/>
+                    </a:lnT>
+                    <a:lnB w="12700" cap="flat" cmpd="sng" algn="ctr">
+                      <a:solidFill>
+                        <a:schemeClr val="tx1"/>
+                      </a:solidFill>
+                      <a:prstDash val="solid"/>
+                      <a:round/>
+                      <a:headEnd type="none" w="med" len="med"/>
+                      <a:tailEnd type="none" w="med" len="med"/>
+                    </a:lnB>
+                    <a:lnTlToBr w="12700" cmpd="sng">
+                      <a:noFill/>
+                      <a:prstDash val="solid"/>
+                    </a:lnTlToBr>
+                    <a:lnBlToTr w="12700" cmpd="sng">
+                      <a:noFill/>
+                      <a:prstDash val="solid"/>
+                    </a:lnBlToTr>
+                    <a:noFill/>
+                  </a:tcPr>
+                </a:tc>
+                <a:tc>
+                  <a:txBody>
+                    <a:bodyPr/>
+                    <a:lstStyle/>
+                    <a:p>
+                      <a:r>
+                        <a:rPr lang="ru-RU" dirty="0" smtClean="0"/>
+                        <a:t>700</a:t>
+                      </a:r>
+                      <a:endParaRPr lang="ru-RU" dirty="0"/>
+                    </a:p>
+                  </a:txBody>
+                  <a:tcPr>
+                    <a:lnL w="12700" cap="flat" cmpd="sng" algn="ctr">
+                      <a:solidFill>
+                        <a:schemeClr val="tx1"/>
+                      </a:solidFill>
+                      <a:prstDash val="solid"/>
+                      <a:round/>
+                      <a:headEnd type="none" w="med" len="med"/>
+                      <a:tailEnd type="none" w="med" len="med"/>
+                    </a:lnL>
+                    <a:lnR w="12700" cap="flat" cmpd="sng" algn="ctr">
+                      <a:solidFill>
+                        <a:schemeClr val="tx1"/>
+                      </a:solidFill>
+                      <a:prstDash val="solid"/>
+                      <a:round/>
+                      <a:headEnd type="none" w="med" len="med"/>
+                      <a:tailEnd type="none" w="med" len="med"/>
+                    </a:lnR>
+                    <a:lnT w="12700" cap="flat" cmpd="sng" algn="ctr">
+                      <a:solidFill>
+                        <a:schemeClr val="tx1"/>
+                      </a:solidFill>
+                      <a:prstDash val="solid"/>
+                      <a:round/>
+                      <a:headEnd type="none" w="med" len="med"/>
+                      <a:tailEnd type="none" w="med" len="med"/>
+                    </a:lnT>
+                    <a:lnB w="12700" cap="flat" cmpd="sng" algn="ctr">
+                      <a:solidFill>
+                        <a:schemeClr val="tx1"/>
+                      </a:solidFill>
+                      <a:prstDash val="solid"/>
+                      <a:round/>
+                      <a:headEnd type="none" w="med" len="med"/>
+                      <a:tailEnd type="none" w="med" len="med"/>
+                    </a:lnB>
+                    <a:lnTlToBr w="12700" cmpd="sng">
+                      <a:noFill/>
+                      <a:prstDash val="solid"/>
+                    </a:lnTlToBr>
+                    <a:lnBlToTr w="12700" cmpd="sng">
+                      <a:noFill/>
+                      <a:prstDash val="solid"/>
+                    </a:lnBlToTr>
+                    <a:noFill/>
+                  </a:tcPr>
+                </a:tc>
+                <a:extLst>
+                  <a:ext uri="{0D108BD9-81ED-4DB2-BD59-A6C34878D82A}">
+                    <a16:rowId xmlns:a16="http://schemas.microsoft.com/office/drawing/2014/main" val="638672089"/>
+                  </a:ext>
+                </a:extLst>
+              </a:tr>
+            </a:tbl>
+          </a:graphicData>
+        </a:graphic>
+      </p:graphicFrame>
     </p:spTree>
     <p:extLst>
       <p:ext uri="{BB962C8B-B14F-4D97-AF65-F5344CB8AC3E}">
-        <p14:creationId xmlns:p14="http://schemas.microsoft.com/office/powerpoint/2010/main" val="2614096954"/>
+        <p14:creationId xmlns:p14="http://schemas.microsoft.com/office/powerpoint/2010/main" val="3102141101"/>
       </p:ext>
     </p:extLst>
   </p:cSld>
@@ -7896,8 +8701,8 @@
           </a:p>
         </p:txBody>
       </p:sp>
-      <mc:AlternateContent xmlns:mc="http://schemas.openxmlformats.org/markup-compatibility/2006">
-        <mc:Choice xmlns:a14="http://schemas.microsoft.com/office/drawing/2010/main" Requires="a14">
+      <mc:AlternateContent xmlns:mc="http://schemas.openxmlformats.org/markup-compatibility/2006" xmlns:a14="http://schemas.microsoft.com/office/drawing/2010/main">
+        <mc:Choice Requires="a14">
           <p:sp>
             <p:nvSpPr>
               <p:cNvPr id="11" name="TextBox 10"/>
@@ -7977,12 +8782,16 @@
                     <m:sSup>
                       <m:sSupPr>
                         <m:ctrlPr>
-                          <a:rPr lang="ru-RU" sz="2000"/>
+                          <a:rPr lang="ru-RU" sz="2000" i="1">
+                            <a:latin typeface="Cambria Math" panose="02040503050406030204" pitchFamily="18" charset="0"/>
+                          </a:rPr>
                         </m:ctrlPr>
                       </m:sSupPr>
                       <m:e>
                         <m:r>
-                          <a:rPr lang="ru-RU" sz="2000"/>
+                          <a:rPr lang="ru-RU" sz="2000">
+                            <a:latin typeface="Cambria Math" panose="02040503050406030204" pitchFamily="18" charset="0"/>
+                          </a:rPr>
                           <m:t>𝑛</m:t>
                         </m:r>
                       </m:e>
@@ -8012,28 +8821,38 @@
                 <a14:m>
                   <m:oMath xmlns:m="http://schemas.openxmlformats.org/officeDocument/2006/math">
                     <m:r>
-                      <a:rPr lang="ru-RU" sz="2000"/>
+                      <a:rPr lang="ru-RU" sz="2000">
+                        <a:latin typeface="Cambria Math" panose="02040503050406030204" pitchFamily="18" charset="0"/>
+                      </a:rPr>
                       <m:t>𝑇</m:t>
                     </m:r>
                     <m:r>
-                      <a:rPr lang="ru-RU" sz="2000"/>
+                      <a:rPr lang="ru-RU" sz="2000">
+                        <a:latin typeface="Cambria Math" panose="02040503050406030204" pitchFamily="18" charset="0"/>
+                      </a:rPr>
                       <m:t>=</m:t>
                     </m:r>
                     <m:sSub>
                       <m:sSubPr>
                         <m:ctrlPr>
-                          <a:rPr lang="ru-RU" sz="2000"/>
+                          <a:rPr lang="ru-RU" sz="2000" i="1">
+                            <a:latin typeface="Cambria Math" panose="02040503050406030204" pitchFamily="18" charset="0"/>
+                          </a:rPr>
                         </m:ctrlPr>
                       </m:sSubPr>
                       <m:e>
                         <m:r>
-                          <a:rPr lang="ru-RU" sz="2000"/>
+                          <a:rPr lang="ru-RU" sz="2000">
+                            <a:latin typeface="Cambria Math" panose="02040503050406030204" pitchFamily="18" charset="0"/>
+                          </a:rPr>
                           <m:t>𝑡</m:t>
                         </m:r>
                       </m:e>
                       <m:sub>
                         <m:r>
-                          <a:rPr lang="ru-RU" sz="2000"/>
+                          <a:rPr lang="ru-RU" sz="2000">
+                            <a:latin typeface="Cambria Math" panose="02040503050406030204" pitchFamily="18" charset="0"/>
+                          </a:rPr>
                           <m:t>1</m:t>
                         </m:r>
                       </m:sub>
@@ -8041,18 +8860,24 @@
                     <m:sSub>
                       <m:sSubPr>
                         <m:ctrlPr>
-                          <a:rPr lang="ru-RU" sz="2000"/>
+                          <a:rPr lang="ru-RU" sz="2000" i="1">
+                            <a:latin typeface="Cambria Math" panose="02040503050406030204" pitchFamily="18" charset="0"/>
+                          </a:rPr>
                         </m:ctrlPr>
                       </m:sSubPr>
                       <m:e>
                         <m:r>
-                          <a:rPr lang="ru-RU" sz="2000"/>
+                          <a:rPr lang="ru-RU" sz="2000">
+                            <a:latin typeface="Cambria Math" panose="02040503050406030204" pitchFamily="18" charset="0"/>
+                          </a:rPr>
                           <m:t>𝑡</m:t>
                         </m:r>
                       </m:e>
                       <m:sub>
                         <m:r>
-                          <a:rPr lang="ru-RU" sz="2000"/>
+                          <a:rPr lang="ru-RU" sz="2000">
+                            <a:latin typeface="Cambria Math" panose="02040503050406030204" pitchFamily="18" charset="0"/>
+                          </a:rPr>
                           <m:t>2…</m:t>
                         </m:r>
                       </m:sub>
@@ -8070,7 +8895,7 @@
                         <m:begChr m:val="{"/>
                         <m:endChr m:val="}"/>
                         <m:ctrlPr>
-                          <a:rPr lang="ru-RU" sz="2000">
+                          <a:rPr lang="ru-RU" sz="2000" i="1">
                             <a:latin typeface="Cambria Math" panose="02040503050406030204" pitchFamily="18" charset="0"/>
                           </a:rPr>
                         </m:ctrlPr>
@@ -8079,18 +8904,24 @@
                         <m:sSub>
                           <m:sSubPr>
                             <m:ctrlPr>
-                              <a:rPr lang="ru-RU" sz="2000" i="1"/>
+                              <a:rPr lang="ru-RU" sz="2000" i="1">
+                                <a:latin typeface="Cambria Math" panose="02040503050406030204" pitchFamily="18" charset="0"/>
+                              </a:rPr>
                             </m:ctrlPr>
                           </m:sSubPr>
                           <m:e>
                             <m:r>
-                              <a:rPr lang="ru-RU" sz="2000" i="1"/>
+                              <a:rPr lang="ru-RU" sz="2000" i="1">
+                                <a:latin typeface="Cambria Math" panose="02040503050406030204" pitchFamily="18" charset="0"/>
+                              </a:rPr>
                               <m:t>𝑎</m:t>
                             </m:r>
                           </m:e>
                           <m:sub>
                             <m:r>
-                              <a:rPr lang="ru-RU" sz="2000" i="1"/>
+                              <a:rPr lang="ru-RU" sz="2000" i="1">
+                                <a:latin typeface="Cambria Math" panose="02040503050406030204" pitchFamily="18" charset="0"/>
+                              </a:rPr>
                               <m:t>1,</m:t>
                             </m:r>
                           </m:sub>
@@ -8098,41 +8929,55 @@
                         <m:sSub>
                           <m:sSubPr>
                             <m:ctrlPr>
-                              <a:rPr lang="ru-RU" sz="2000" i="1"/>
+                              <a:rPr lang="ru-RU" sz="2000" i="1">
+                                <a:latin typeface="Cambria Math" panose="02040503050406030204" pitchFamily="18" charset="0"/>
+                              </a:rPr>
                             </m:ctrlPr>
                           </m:sSubPr>
                           <m:e>
                             <m:r>
-                              <a:rPr lang="ru-RU" sz="2000" i="1"/>
+                              <a:rPr lang="ru-RU" sz="2000" i="1">
+                                <a:latin typeface="Cambria Math" panose="02040503050406030204" pitchFamily="18" charset="0"/>
+                              </a:rPr>
                               <m:t>𝑎</m:t>
                             </m:r>
                           </m:e>
                           <m:sub>
                             <m:r>
-                              <a:rPr lang="ru-RU" sz="2000" i="1"/>
+                              <a:rPr lang="ru-RU" sz="2000" i="1">
+                                <a:latin typeface="Cambria Math" panose="02040503050406030204" pitchFamily="18" charset="0"/>
+                              </a:rPr>
                               <m:t>2</m:t>
                             </m:r>
                           </m:sub>
                         </m:sSub>
                         <m:r>
-                          <a:rPr lang="ru-RU" sz="2000" i="1"/>
+                          <a:rPr lang="ru-RU" sz="2000" i="1">
+                            <a:latin typeface="Cambria Math" panose="02040503050406030204" pitchFamily="18" charset="0"/>
+                          </a:rPr>
                           <m:t>,…,</m:t>
                         </m:r>
                         <m:sSub>
                           <m:sSubPr>
                             <m:ctrlPr>
-                              <a:rPr lang="ru-RU" sz="2000" i="1"/>
+                              <a:rPr lang="ru-RU" sz="2000" i="1">
+                                <a:latin typeface="Cambria Math" panose="02040503050406030204" pitchFamily="18" charset="0"/>
+                              </a:rPr>
                             </m:ctrlPr>
                           </m:sSubPr>
                           <m:e>
                             <m:r>
-                              <a:rPr lang="ru-RU" sz="2000" i="1"/>
+                              <a:rPr lang="ru-RU" sz="2000" i="1">
+                                <a:latin typeface="Cambria Math" panose="02040503050406030204" pitchFamily="18" charset="0"/>
+                              </a:rPr>
                               <m:t>𝑎</m:t>
                             </m:r>
                           </m:e>
                           <m:sub>
                             <m:r>
-                              <a:rPr lang="ru-RU" sz="2000" i="1"/>
+                              <a:rPr lang="ru-RU" sz="2000" i="1">
+                                <a:latin typeface="Cambria Math" panose="02040503050406030204" pitchFamily="18" charset="0"/>
+                              </a:rPr>
                               <m:t>𝑛</m:t>
                             </m:r>
                           </m:sub>
@@ -8195,7 +9040,7 @@
             </p:txBody>
           </p:sp>
         </mc:Choice>
-        <mc:Fallback>
+        <mc:Fallback xmlns="">
           <p:sp>
             <p:nvSpPr>
               <p:cNvPr id="11" name="TextBox 10"/>
@@ -8279,6 +9124,685 @@
         </p:nvSpPr>
         <p:spPr>
           <a:xfrm>
+            <a:off x="0" y="1487606"/>
+            <a:ext cx="12192000" cy="5008728"/>
+          </a:xfrm>
+          <a:prstGeom prst="rect">
+            <a:avLst/>
+          </a:prstGeom>
+          <a:solidFill>
+            <a:schemeClr val="bg1"/>
+          </a:solidFill>
+          <a:ln>
+            <a:solidFill>
+              <a:schemeClr val="bg1"/>
+            </a:solidFill>
+          </a:ln>
+        </p:spPr>
+        <p:style>
+          <a:lnRef idx="2">
+            <a:schemeClr val="accent1">
+              <a:shade val="50000"/>
+            </a:schemeClr>
+          </a:lnRef>
+          <a:fillRef idx="1">
+            <a:schemeClr val="accent1"/>
+          </a:fillRef>
+          <a:effectRef idx="0">
+            <a:schemeClr val="accent1"/>
+          </a:effectRef>
+          <a:fontRef idx="minor">
+            <a:schemeClr val="lt1"/>
+          </a:fontRef>
+        </p:style>
+        <p:txBody>
+          <a:bodyPr rtlCol="0" anchor="ctr"/>
+          <a:lstStyle/>
+          <a:p>
+            <a:pPr algn="ctr"/>
+            <a:endParaRPr lang="ru-RU"/>
+          </a:p>
+        </p:txBody>
+      </p:sp>
+      <p:sp>
+        <p:nvSpPr>
+          <p:cNvPr id="2" name="Заголовок 1"/>
+          <p:cNvSpPr>
+            <a:spLocks noGrp="1"/>
+          </p:cNvSpPr>
+          <p:nvPr>
+            <p:ph type="title"/>
+          </p:nvPr>
+        </p:nvSpPr>
+        <p:spPr>
+          <a:xfrm>
+            <a:off x="232104" y="904029"/>
+            <a:ext cx="10515600" cy="565184"/>
+          </a:xfrm>
+        </p:spPr>
+        <p:txBody>
+          <a:bodyPr>
+            <a:normAutofit fontScale="90000"/>
+          </a:bodyPr>
+          <a:lstStyle/>
+          <a:p>
+            <a:r>
+              <a:rPr lang="ru-RU" sz="3600" dirty="0" smtClean="0">
+                <a:solidFill>
+                  <a:schemeClr val="bg1"/>
+                </a:solidFill>
+                <a:latin typeface="Times New Roman" panose="02020603050405020304" pitchFamily="18" charset="0"/>
+              </a:rPr>
+              <a:t>Критерий </a:t>
+            </a:r>
+            <a:r>
+              <a:rPr lang="ru-RU" sz="3600" dirty="0" err="1" smtClean="0">
+                <a:solidFill>
+                  <a:schemeClr val="bg1"/>
+                </a:solidFill>
+                <a:latin typeface="Times New Roman" panose="02020603050405020304" pitchFamily="18" charset="0"/>
+              </a:rPr>
+              <a:t>Вальда</a:t>
+            </a:r>
+            <a:r>
+              <a:rPr lang="ru-RU" sz="3600" dirty="0" smtClean="0">
+                <a:solidFill>
+                  <a:schemeClr val="bg1"/>
+                </a:solidFill>
+                <a:latin typeface="Times New Roman" panose="02020603050405020304" pitchFamily="18" charset="0"/>
+              </a:rPr>
+              <a:t> и </a:t>
+            </a:r>
+            <a:r>
+              <a:rPr lang="ru-RU" sz="3600" dirty="0" smtClean="0">
+                <a:solidFill>
+                  <a:schemeClr val="bg1"/>
+                </a:solidFill>
+                <a:latin typeface="Times New Roman" panose="02020603050405020304" pitchFamily="18" charset="0"/>
+              </a:rPr>
+              <a:t>запрещенных </a:t>
+            </a:r>
+            <a:r>
+              <a:rPr lang="ru-RU" sz="3600" dirty="0" smtClean="0">
+                <a:solidFill>
+                  <a:schemeClr val="bg1"/>
+                </a:solidFill>
+                <a:latin typeface="Times New Roman" panose="02020603050405020304" pitchFamily="18" charset="0"/>
+              </a:rPr>
+              <a:t>биграмм</a:t>
+            </a:r>
+            <a:endParaRPr lang="ru-RU" sz="3600" dirty="0">
+              <a:solidFill>
+                <a:schemeClr val="bg1"/>
+              </a:solidFill>
+              <a:latin typeface="Times New Roman" panose="02020603050405020304" pitchFamily="18" charset="0"/>
+            </a:endParaRPr>
+          </a:p>
+        </p:txBody>
+      </p:sp>
+      <p:pic>
+        <p:nvPicPr>
+          <p:cNvPr id="5" name="Рисунок 4"/>
+          <p:cNvPicPr>
+            <a:picLocks noChangeAspect="1"/>
+          </p:cNvPicPr>
+          <p:nvPr/>
+        </p:nvPicPr>
+        <p:blipFill>
+          <a:blip r:embed="rId2" cstate="print">
+            <a:extLst>
+              <a:ext uri="{28A0092B-C50C-407E-A947-70E740481C1C}">
+                <a14:useLocalDpi xmlns:a14="http://schemas.microsoft.com/office/drawing/2010/main" val="0"/>
+              </a:ext>
+            </a:extLst>
+          </a:blip>
+          <a:stretch>
+            <a:fillRect/>
+          </a:stretch>
+        </p:blipFill>
+        <p:spPr>
+          <a:xfrm>
+            <a:off x="978568" y="16042"/>
+            <a:ext cx="10234864" cy="866274"/>
+          </a:xfrm>
+          <a:prstGeom prst="rect">
+            <a:avLst/>
+          </a:prstGeom>
+          <a:noFill/>
+        </p:spPr>
+      </p:pic>
+      <p:sp>
+        <p:nvSpPr>
+          <p:cNvPr id="10" name="Овал 9"/>
+          <p:cNvSpPr/>
+          <p:nvPr/>
+        </p:nvSpPr>
+        <p:spPr>
+          <a:xfrm>
+            <a:off x="11462084" y="141078"/>
+            <a:ext cx="628403" cy="616202"/>
+          </a:xfrm>
+          <a:prstGeom prst="ellipse">
+            <a:avLst/>
+          </a:prstGeom>
+          <a:solidFill>
+            <a:srgbClr val="2755A3"/>
+          </a:solidFill>
+        </p:spPr>
+        <p:style>
+          <a:lnRef idx="2">
+            <a:schemeClr val="accent4">
+              <a:shade val="50000"/>
+            </a:schemeClr>
+          </a:lnRef>
+          <a:fillRef idx="1">
+            <a:schemeClr val="accent4"/>
+          </a:fillRef>
+          <a:effectRef idx="0">
+            <a:schemeClr val="accent4"/>
+          </a:effectRef>
+          <a:fontRef idx="minor">
+            <a:schemeClr val="lt1"/>
+          </a:fontRef>
+        </p:style>
+        <p:txBody>
+          <a:bodyPr rtlCol="0" anchor="ctr"/>
+          <a:lstStyle/>
+          <a:p>
+            <a:pPr algn="ctr"/>
+            <a:endParaRPr lang="ru-RU" dirty="0"/>
+          </a:p>
+        </p:txBody>
+      </p:sp>
+      <p:sp>
+        <p:nvSpPr>
+          <p:cNvPr id="8" name="Нижний колонтитул 8"/>
+          <p:cNvSpPr txBox="1">
+            <a:spLocks/>
+          </p:cNvSpPr>
+          <p:nvPr/>
+        </p:nvSpPr>
+        <p:spPr>
+          <a:xfrm>
+            <a:off x="8742217" y="6497082"/>
+            <a:ext cx="3722915" cy="365125"/>
+          </a:xfrm>
+          <a:prstGeom prst="rect">
+            <a:avLst/>
+          </a:prstGeom>
+          <a:noFill/>
+        </p:spPr>
+        <p:txBody>
+          <a:bodyPr vert="horz" lIns="91440" tIns="45720" rIns="91440" bIns="45720" rtlCol="0" anchor="ctr"/>
+          <a:lstStyle>
+            <a:defPPr>
+              <a:defRPr lang="ru-RU"/>
+            </a:defPPr>
+            <a:lvl1pPr marL="0" algn="ctr" defTabSz="914400" rtl="0" eaLnBrk="1" latinLnBrk="0" hangingPunct="1">
+              <a:defRPr sz="1200" kern="1200">
+                <a:solidFill>
+                  <a:schemeClr val="tx1">
+                    <a:tint val="75000"/>
+                  </a:schemeClr>
+                </a:solidFill>
+                <a:latin typeface="+mn-lt"/>
+                <a:ea typeface="+mn-ea"/>
+                <a:cs typeface="+mn-cs"/>
+              </a:defRPr>
+            </a:lvl1pPr>
+            <a:lvl2pPr marL="457200" algn="l" defTabSz="914400" rtl="0" eaLnBrk="1" latinLnBrk="0" hangingPunct="1">
+              <a:defRPr sz="1800" kern="1200">
+                <a:solidFill>
+                  <a:schemeClr val="tx1"/>
+                </a:solidFill>
+                <a:latin typeface="+mn-lt"/>
+                <a:ea typeface="+mn-ea"/>
+                <a:cs typeface="+mn-cs"/>
+              </a:defRPr>
+            </a:lvl2pPr>
+            <a:lvl3pPr marL="914400" algn="l" defTabSz="914400" rtl="0" eaLnBrk="1" latinLnBrk="0" hangingPunct="1">
+              <a:defRPr sz="1800" kern="1200">
+                <a:solidFill>
+                  <a:schemeClr val="tx1"/>
+                </a:solidFill>
+                <a:latin typeface="+mn-lt"/>
+                <a:ea typeface="+mn-ea"/>
+                <a:cs typeface="+mn-cs"/>
+              </a:defRPr>
+            </a:lvl3pPr>
+            <a:lvl4pPr marL="1371600" algn="l" defTabSz="914400" rtl="0" eaLnBrk="1" latinLnBrk="0" hangingPunct="1">
+              <a:defRPr sz="1800" kern="1200">
+                <a:solidFill>
+                  <a:schemeClr val="tx1"/>
+                </a:solidFill>
+                <a:latin typeface="+mn-lt"/>
+                <a:ea typeface="+mn-ea"/>
+                <a:cs typeface="+mn-cs"/>
+              </a:defRPr>
+            </a:lvl4pPr>
+            <a:lvl5pPr marL="1828800" algn="l" defTabSz="914400" rtl="0" eaLnBrk="1" latinLnBrk="0" hangingPunct="1">
+              <a:defRPr sz="1800" kern="1200">
+                <a:solidFill>
+                  <a:schemeClr val="tx1"/>
+                </a:solidFill>
+                <a:latin typeface="+mn-lt"/>
+                <a:ea typeface="+mn-ea"/>
+                <a:cs typeface="+mn-cs"/>
+              </a:defRPr>
+            </a:lvl5pPr>
+            <a:lvl6pPr marL="2286000" algn="l" defTabSz="914400" rtl="0" eaLnBrk="1" latinLnBrk="0" hangingPunct="1">
+              <a:defRPr sz="1800" kern="1200">
+                <a:solidFill>
+                  <a:schemeClr val="tx1"/>
+                </a:solidFill>
+                <a:latin typeface="+mn-lt"/>
+                <a:ea typeface="+mn-ea"/>
+                <a:cs typeface="+mn-cs"/>
+              </a:defRPr>
+            </a:lvl6pPr>
+            <a:lvl7pPr marL="2743200" algn="l" defTabSz="914400" rtl="0" eaLnBrk="1" latinLnBrk="0" hangingPunct="1">
+              <a:defRPr sz="1800" kern="1200">
+                <a:solidFill>
+                  <a:schemeClr val="tx1"/>
+                </a:solidFill>
+                <a:latin typeface="+mn-lt"/>
+                <a:ea typeface="+mn-ea"/>
+                <a:cs typeface="+mn-cs"/>
+              </a:defRPr>
+            </a:lvl7pPr>
+            <a:lvl8pPr marL="3200400" algn="l" defTabSz="914400" rtl="0" eaLnBrk="1" latinLnBrk="0" hangingPunct="1">
+              <a:defRPr sz="1800" kern="1200">
+                <a:solidFill>
+                  <a:schemeClr val="tx1"/>
+                </a:solidFill>
+                <a:latin typeface="+mn-lt"/>
+                <a:ea typeface="+mn-ea"/>
+                <a:cs typeface="+mn-cs"/>
+              </a:defRPr>
+            </a:lvl8pPr>
+            <a:lvl9pPr marL="3657600" algn="l" defTabSz="914400" rtl="0" eaLnBrk="1" latinLnBrk="0" hangingPunct="1">
+              <a:defRPr sz="1800" kern="1200">
+                <a:solidFill>
+                  <a:schemeClr val="tx1"/>
+                </a:solidFill>
+                <a:latin typeface="+mn-lt"/>
+                <a:ea typeface="+mn-ea"/>
+                <a:cs typeface="+mn-cs"/>
+              </a:defRPr>
+            </a:lvl9pPr>
+          </a:lstStyle>
+          <a:p>
+            <a:r>
+              <a:rPr lang="ru-RU" sz="1800" dirty="0" smtClean="0">
+                <a:solidFill>
+                  <a:schemeClr val="bg1"/>
+                </a:solidFill>
+                <a:latin typeface="Times New Roman" panose="02020603050405020304" pitchFamily="18" charset="0"/>
+                <a:cs typeface="Times New Roman" panose="02020603050405020304" pitchFamily="18" charset="0"/>
+              </a:rPr>
+              <a:t>Кафедра «Высшая математика </a:t>
+            </a:r>
+            <a:r>
+              <a:rPr lang="en-US" sz="1800" dirty="0" smtClean="0">
+                <a:solidFill>
+                  <a:schemeClr val="bg1"/>
+                </a:solidFill>
+                <a:latin typeface="Times New Roman" panose="02020603050405020304" pitchFamily="18" charset="0"/>
+                <a:cs typeface="Times New Roman" panose="02020603050405020304" pitchFamily="18" charset="0"/>
+              </a:rPr>
+              <a:t>I</a:t>
+            </a:r>
+            <a:r>
+              <a:rPr lang="ru-RU" sz="1800" dirty="0" smtClean="0">
+                <a:solidFill>
+                  <a:schemeClr val="bg1"/>
+                </a:solidFill>
+                <a:latin typeface="Times New Roman" panose="02020603050405020304" pitchFamily="18" charset="0"/>
+                <a:cs typeface="Times New Roman" panose="02020603050405020304" pitchFamily="18" charset="0"/>
+              </a:rPr>
+              <a:t>" </a:t>
+            </a:r>
+            <a:endParaRPr lang="ru-RU" sz="1800" dirty="0">
+              <a:solidFill>
+                <a:schemeClr val="bg1"/>
+              </a:solidFill>
+              <a:latin typeface="Times New Roman" panose="02020603050405020304" pitchFamily="18" charset="0"/>
+              <a:cs typeface="Times New Roman" panose="02020603050405020304" pitchFamily="18" charset="0"/>
+            </a:endParaRPr>
+          </a:p>
+        </p:txBody>
+      </p:sp>
+      <p:pic>
+        <p:nvPicPr>
+          <p:cNvPr id="3" name="Рисунок 2"/>
+          <p:cNvPicPr>
+            <a:picLocks noChangeAspect="1"/>
+          </p:cNvPicPr>
+          <p:nvPr/>
+        </p:nvPicPr>
+        <p:blipFill>
+          <a:blip r:embed="rId3">
+            <a:extLst>
+              <a:ext uri="{28A0092B-C50C-407E-A947-70E740481C1C}">
+                <a14:useLocalDpi xmlns:a14="http://schemas.microsoft.com/office/drawing/2010/main" val="0"/>
+              </a:ext>
+            </a:extLst>
+          </a:blip>
+          <a:stretch>
+            <a:fillRect/>
+          </a:stretch>
+        </p:blipFill>
+        <p:spPr>
+          <a:xfrm>
+            <a:off x="457200" y="1612643"/>
+            <a:ext cx="5444836" cy="4635758"/>
+          </a:xfrm>
+          <a:prstGeom prst="rect">
+            <a:avLst/>
+          </a:prstGeom>
+        </p:spPr>
+      </p:pic>
+      <p:sp>
+        <p:nvSpPr>
+          <p:cNvPr id="12" name="TextBox 11"/>
+          <p:cNvSpPr txBox="1"/>
+          <p:nvPr/>
+        </p:nvSpPr>
+        <p:spPr>
+          <a:xfrm>
+            <a:off x="5585647" y="1576594"/>
+            <a:ext cx="6313139" cy="3693319"/>
+          </a:xfrm>
+          <a:prstGeom prst="rect">
+            <a:avLst/>
+          </a:prstGeom>
+          <a:noFill/>
+        </p:spPr>
+        <p:txBody>
+          <a:bodyPr wrap="square" rtlCol="0">
+            <a:spAutoFit/>
+          </a:bodyPr>
+          <a:lstStyle/>
+          <a:p>
+            <a:pPr>
+              <a:lnSpc>
+                <a:spcPct val="130000"/>
+              </a:lnSpc>
+            </a:pPr>
+            <a:r>
+              <a:rPr lang="ru-RU" dirty="0" smtClean="0"/>
+              <a:t>	</a:t>
+            </a:r>
+            <a:r>
+              <a:rPr lang="ru-RU" sz="2000" dirty="0" smtClean="0"/>
+              <a:t>При тестировании разработанного приложения было выявлено, что критерий </a:t>
+            </a:r>
+            <a:r>
+              <a:rPr lang="ru-RU" sz="2000" dirty="0" err="1" smtClean="0"/>
+              <a:t>Вальда</a:t>
+            </a:r>
+            <a:r>
+              <a:rPr lang="ru-RU" sz="2000" dirty="0" smtClean="0"/>
+              <a:t> лучше определяет открытый текст, а критерий запрещенных биграмм работает лучше с закрытыми текстами. Данный факт обусловлен быстрым появлением запрещенной биграммы в шифрованном тексте.</a:t>
+            </a:r>
+            <a:r>
+              <a:rPr lang="en-US" sz="2000" dirty="0" smtClean="0"/>
+              <a:t> </a:t>
+            </a:r>
+            <a:r>
+              <a:rPr lang="ru-RU" sz="2000" dirty="0" smtClean="0"/>
+              <a:t>В приведенном отрывке уже вторая биграмма является запрещенной, программа сразу объявит текст закрытым, в связи с чем нет необходимости высчитывать пороги.</a:t>
+            </a:r>
+            <a:endParaRPr lang="ru-RU" sz="2400" dirty="0"/>
+          </a:p>
+        </p:txBody>
+      </p:sp>
+      <p:graphicFrame>
+        <p:nvGraphicFramePr>
+          <p:cNvPr id="4" name="Таблица 3"/>
+          <p:cNvGraphicFramePr>
+            <a:graphicFrameLocks noGrp="1"/>
+          </p:cNvGraphicFramePr>
+          <p:nvPr>
+            <p:extLst>
+              <p:ext uri="{D42A27DB-BD31-4B8C-83A1-F6EECF244321}">
+                <p14:modId xmlns:p14="http://schemas.microsoft.com/office/powerpoint/2010/main" val="317256673"/>
+              </p:ext>
+            </p:extLst>
+          </p:nvPr>
+        </p:nvGraphicFramePr>
+        <p:xfrm>
+          <a:off x="6486192" y="5288306"/>
+          <a:ext cx="4544291" cy="370840"/>
+        </p:xfrm>
+        <a:graphic>
+          <a:graphicData uri="http://schemas.openxmlformats.org/drawingml/2006/table">
+            <a:tbl>
+              <a:tblPr firstRow="1" bandRow="1">
+                <a:tableStyleId>{5C22544A-7EE6-4342-B048-85BDC9FD1C3A}</a:tableStyleId>
+              </a:tblPr>
+              <a:tblGrid>
+                <a:gridCol w="4544291">
+                  <a:extLst>
+                    <a:ext uri="{9D8B030D-6E8A-4147-A177-3AD203B41FA5}">
+                      <a16:colId xmlns:a16="http://schemas.microsoft.com/office/drawing/2014/main" val="1520883889"/>
+                    </a:ext>
+                  </a:extLst>
+                </a:gridCol>
+              </a:tblGrid>
+              <a:tr h="370840">
+                <a:tc>
+                  <a:txBody>
+                    <a:bodyPr/>
+                    <a:lstStyle/>
+                    <a:p>
+                      <a:r>
+                        <a:rPr lang="en-US" dirty="0" err="1" smtClean="0">
+                          <a:solidFill>
+                            <a:schemeClr val="tx1">
+                              <a:lumMod val="95000"/>
+                              <a:lumOff val="5000"/>
+                            </a:schemeClr>
+                          </a:solidFill>
+                        </a:rPr>
+                        <a:t>fhmayjfx</a:t>
+                      </a:r>
+                      <a:r>
+                        <a:rPr lang="en-US" dirty="0" smtClean="0">
+                          <a:solidFill>
+                            <a:schemeClr val="tx1">
+                              <a:lumMod val="95000"/>
+                              <a:lumOff val="5000"/>
+                            </a:schemeClr>
+                          </a:solidFill>
+                        </a:rPr>
+                        <a:t>..bd.foete"</a:t>
+                      </a:r>
+                      <a:r>
+                        <a:rPr lang="en-US" dirty="0" err="1" smtClean="0">
+                          <a:solidFill>
+                            <a:schemeClr val="tx1">
+                              <a:lumMod val="95000"/>
+                              <a:lumOff val="5000"/>
+                            </a:schemeClr>
+                          </a:solidFill>
+                        </a:rPr>
+                        <a:t>yif</a:t>
+                      </a:r>
+                      <a:r>
+                        <a:rPr lang="en-US" dirty="0" smtClean="0">
+                          <a:solidFill>
+                            <a:schemeClr val="tx1">
+                              <a:lumMod val="95000"/>
+                              <a:lumOff val="5000"/>
+                            </a:schemeClr>
+                          </a:solidFill>
+                        </a:rPr>
+                        <a:t>!"</a:t>
+                      </a:r>
+                      <a:r>
+                        <a:rPr lang="en-US" dirty="0" err="1" smtClean="0">
+                          <a:solidFill>
+                            <a:schemeClr val="tx1">
+                              <a:lumMod val="95000"/>
+                              <a:lumOff val="5000"/>
+                            </a:schemeClr>
+                          </a:solidFill>
+                        </a:rPr>
+                        <a:t>ruxv.hxtx"dyj</a:t>
+                      </a:r>
+                      <a:r>
+                        <a:rPr lang="en-US" dirty="0" smtClean="0">
+                          <a:solidFill>
+                            <a:schemeClr val="tx1">
+                              <a:lumMod val="95000"/>
+                              <a:lumOff val="5000"/>
+                            </a:schemeClr>
+                          </a:solidFill>
+                        </a:rPr>
+                        <a:t> </a:t>
+                      </a:r>
+                      <a:r>
+                        <a:rPr lang="en-US" dirty="0" err="1" smtClean="0">
+                          <a:solidFill>
+                            <a:schemeClr val="tx1">
+                              <a:lumMod val="95000"/>
+                              <a:lumOff val="5000"/>
+                            </a:schemeClr>
+                          </a:solidFill>
+                        </a:rPr>
+                        <a:t>dmkoq</a:t>
+                      </a:r>
+                      <a:endParaRPr lang="ru-RU" dirty="0">
+                        <a:solidFill>
+                          <a:schemeClr val="tx1">
+                            <a:lumMod val="95000"/>
+                            <a:lumOff val="5000"/>
+                          </a:schemeClr>
+                        </a:solidFill>
+                      </a:endParaRPr>
+                    </a:p>
+                  </a:txBody>
+                  <a:tcPr>
+                    <a:noFill/>
+                  </a:tcPr>
+                </a:tc>
+                <a:extLst>
+                  <a:ext uri="{0D108BD9-81ED-4DB2-BD59-A6C34878D82A}">
+                    <a16:rowId xmlns:a16="http://schemas.microsoft.com/office/drawing/2014/main" val="1441923608"/>
+                  </a:ext>
+                </a:extLst>
+              </a:tr>
+            </a:tbl>
+          </a:graphicData>
+        </a:graphic>
+      </p:graphicFrame>
+      <p:sp>
+        <p:nvSpPr>
+          <p:cNvPr id="6" name="TextBox 5"/>
+          <p:cNvSpPr txBox="1"/>
+          <p:nvPr/>
+        </p:nvSpPr>
+        <p:spPr>
+          <a:xfrm>
+            <a:off x="232104" y="6104293"/>
+            <a:ext cx="6999973" cy="338554"/>
+          </a:xfrm>
+          <a:prstGeom prst="rect">
+            <a:avLst/>
+          </a:prstGeom>
+          <a:noFill/>
+        </p:spPr>
+        <p:txBody>
+          <a:bodyPr wrap="square" rtlCol="0">
+            <a:spAutoFit/>
+          </a:bodyPr>
+          <a:lstStyle/>
+          <a:p>
+            <a:r>
+              <a:rPr lang="ru-RU" sz="1600" dirty="0" smtClean="0"/>
+              <a:t>Рисунок 2. Гистограмма частоты появления букв латинского алфавита</a:t>
+            </a:r>
+            <a:endParaRPr lang="ru-RU" sz="1600" dirty="0"/>
+          </a:p>
+        </p:txBody>
+      </p:sp>
+      <p:sp>
+        <p:nvSpPr>
+          <p:cNvPr id="13" name="TextBox 12"/>
+          <p:cNvSpPr txBox="1"/>
+          <p:nvPr/>
+        </p:nvSpPr>
+        <p:spPr>
+          <a:xfrm>
+            <a:off x="5926322" y="5556298"/>
+            <a:ext cx="6265678" cy="338554"/>
+          </a:xfrm>
+          <a:prstGeom prst="rect">
+            <a:avLst/>
+          </a:prstGeom>
+          <a:noFill/>
+        </p:spPr>
+        <p:txBody>
+          <a:bodyPr wrap="square" rtlCol="0">
+            <a:spAutoFit/>
+          </a:bodyPr>
+          <a:lstStyle/>
+          <a:p>
+            <a:pPr algn="ctr"/>
+            <a:r>
+              <a:rPr lang="ru-RU" sz="1600" dirty="0" smtClean="0"/>
+              <a:t>Рисунок 3. Шифр сгенерированный разрабатываемым приложением</a:t>
+            </a:r>
+            <a:endParaRPr lang="ru-RU" sz="1600" dirty="0"/>
+          </a:p>
+        </p:txBody>
+      </p:sp>
+    </p:spTree>
+    <p:extLst>
+      <p:ext uri="{BB962C8B-B14F-4D97-AF65-F5344CB8AC3E}">
+        <p14:creationId xmlns:p14="http://schemas.microsoft.com/office/powerpoint/2010/main" val="3389762250"/>
+      </p:ext>
+    </p:extLst>
+  </p:cSld>
+  <p:clrMapOvr>
+    <a:masterClrMapping/>
+  </p:clrMapOvr>
+  <p:timing>
+    <p:tnLst>
+      <p:par>
+        <p:cTn id="1" dur="indefinite" restart="never" nodeType="tmRoot"/>
+      </p:par>
+    </p:tnLst>
+  </p:timing>
+</p:sld>
+</file>
+
+<file path=ppt/slides/slide8.xml><?xml version="1.0" encoding="utf-8"?>
+<p:sld xmlns:a="http://schemas.openxmlformats.org/drawingml/2006/main" xmlns:r="http://schemas.openxmlformats.org/officeDocument/2006/relationships" xmlns:p="http://schemas.openxmlformats.org/presentationml/2006/main">
+  <p:cSld>
+    <p:spTree>
+      <p:nvGrpSpPr>
+        <p:cNvPr id="1" name=""/>
+        <p:cNvGrpSpPr/>
+        <p:nvPr/>
+      </p:nvGrpSpPr>
+      <p:grpSpPr>
+        <a:xfrm>
+          <a:off x="0" y="0"/>
+          <a:ext cx="0" cy="0"/>
+          <a:chOff x="0" y="0"/>
+          <a:chExt cx="0" cy="0"/>
+        </a:xfrm>
+      </p:grpSpPr>
+      <p:sp>
+        <p:nvSpPr>
+          <p:cNvPr id="9" name="Прямоугольник 8"/>
+          <p:cNvSpPr/>
+          <p:nvPr/>
+        </p:nvSpPr>
+        <p:spPr>
+          <a:xfrm>
             <a:off x="0" y="1551106"/>
             <a:ext cx="12192000" cy="5008728"/>
           </a:xfrm>
@@ -8611,7 +10135,7 @@
 </p:sld>
 </file>
 
-<file path=ppt/slides/slide8.xml><?xml version="1.0" encoding="utf-8"?>
+<file path=ppt/slides/slide9.xml><?xml version="1.0" encoding="utf-8"?>
 <p:sld xmlns:a="http://schemas.openxmlformats.org/drawingml/2006/main" xmlns:r="http://schemas.openxmlformats.org/officeDocument/2006/relationships" xmlns:p="http://schemas.openxmlformats.org/presentationml/2006/main">
   <p:cSld>
     <p:spTree>
@@ -9162,8 +10686,8 @@
         </p:nvSpPr>
         <p:spPr>
           <a:xfrm>
-            <a:off x="297957" y="1922457"/>
-            <a:ext cx="11709400" cy="2973122"/>
+            <a:off x="66885" y="1846731"/>
+            <a:ext cx="11709400" cy="2012859"/>
           </a:xfrm>
           <a:prstGeom prst="rect">
             <a:avLst/>
@@ -9187,11 +10711,23 @@
             </a:r>
             <a:r>
               <a:rPr lang="ru-RU" sz="2400" dirty="0" smtClean="0"/>
-              <a:t>Критерии на открытый текст находят применение в различных областях и решениях задач:</a:t>
-            </a:r>
-          </a:p>
-          <a:p>
-            <a:pPr marL="342900" indent="-342900">
+              <a:t>Критерии на открытый текст находят применение </a:t>
+            </a:r>
+            <a:r>
+              <a:rPr lang="ru-RU" sz="2400" dirty="0" smtClean="0"/>
+              <a:t>в </a:t>
+            </a:r>
+            <a:r>
+              <a:rPr lang="ru-RU" sz="2400" dirty="0" smtClean="0"/>
+              <a:t>решении следующих </a:t>
+            </a:r>
+            <a:r>
+              <a:rPr lang="ru-RU" sz="2400" dirty="0" smtClean="0"/>
+              <a:t>задач:</a:t>
+            </a:r>
+          </a:p>
+          <a:p>
+            <a:pPr marL="1714500" lvl="3" indent="-342900">
               <a:lnSpc>
                 <a:spcPct val="130000"/>
               </a:lnSpc>
@@ -9204,7 +10740,7 @@
             </a:r>
           </a:p>
           <a:p>
-            <a:pPr marL="342900" indent="-342900">
+            <a:pPr marL="1714500" lvl="3" indent="-342900">
               <a:lnSpc>
                 <a:spcPct val="130000"/>
               </a:lnSpc>
@@ -9213,11 +10749,16 @@
             </a:pPr>
             <a:r>
               <a:rPr lang="ru-RU" sz="2400" dirty="0" smtClean="0"/>
-              <a:t>Определение авторства текста;</a:t>
-            </a:r>
-          </a:p>
-          <a:p>
-            <a:pPr marL="342900" indent="-342900">
+              <a:t>Определение авторства </a:t>
+            </a:r>
+            <a:r>
+              <a:rPr lang="ru-RU" sz="2400" dirty="0" smtClean="0"/>
+              <a:t>текста;</a:t>
+            </a:r>
+            <a:endParaRPr lang="ru-RU" sz="2400" dirty="0" smtClean="0"/>
+          </a:p>
+          <a:p>
+            <a:pPr marL="1714500" lvl="3" indent="-342900">
               <a:lnSpc>
                 <a:spcPct val="130000"/>
               </a:lnSpc>
@@ -9226,366 +10767,30 @@
             </a:pPr>
             <a:r>
               <a:rPr lang="ru-RU" sz="2400" dirty="0" smtClean="0"/>
-              <a:t>Распознавание кодировок; </a:t>
-            </a:r>
-          </a:p>
-          <a:p>
-            <a:pPr marL="342900" indent="-342900">
-              <a:lnSpc>
-                <a:spcPct val="130000"/>
-              </a:lnSpc>
-              <a:buFont typeface="Arial" panose="020B0604020202020204" pitchFamily="34" charset="0"/>
-              <a:buChar char="•"/>
-            </a:pPr>
+              <a:t>Распознавание </a:t>
+            </a:r>
             <a:r>
               <a:rPr lang="ru-RU" sz="2400" dirty="0" smtClean="0"/>
-              <a:t>И еще нужно один пункт придумать.</a:t>
+              <a:t>кодировок</a:t>
+            </a:r>
+            <a:r>
+              <a:rPr lang="en-US" sz="2400" dirty="0"/>
+              <a:t>.</a:t>
             </a:r>
             <a:endParaRPr lang="ru-RU" sz="2400" dirty="0"/>
-          </a:p>
-        </p:txBody>
-      </p:sp>
-    </p:spTree>
-    <p:extLst>
-      <p:ext uri="{BB962C8B-B14F-4D97-AF65-F5344CB8AC3E}">
-        <p14:creationId xmlns:p14="http://schemas.microsoft.com/office/powerpoint/2010/main" val="1140961263"/>
-      </p:ext>
-    </p:extLst>
-  </p:cSld>
-  <p:clrMapOvr>
-    <a:masterClrMapping/>
-  </p:clrMapOvr>
-  <p:timing>
-    <p:tnLst>
-      <p:par>
-        <p:cTn id="1" dur="indefinite" restart="never" nodeType="tmRoot"/>
-      </p:par>
-    </p:tnLst>
-  </p:timing>
-</p:sld>
-</file>
-
-<file path=ppt/slides/slide9.xml><?xml version="1.0" encoding="utf-8"?>
-<p:sld xmlns:a="http://schemas.openxmlformats.org/drawingml/2006/main" xmlns:r="http://schemas.openxmlformats.org/officeDocument/2006/relationships" xmlns:p="http://schemas.openxmlformats.org/presentationml/2006/main">
-  <p:cSld>
-    <p:spTree>
-      <p:nvGrpSpPr>
-        <p:cNvPr id="1" name=""/>
-        <p:cNvGrpSpPr/>
-        <p:nvPr/>
-      </p:nvGrpSpPr>
-      <p:grpSpPr>
-        <a:xfrm>
-          <a:off x="0" y="0"/>
-          <a:ext cx="0" cy="0"/>
-          <a:chOff x="0" y="0"/>
-          <a:chExt cx="0" cy="0"/>
-        </a:xfrm>
-      </p:grpSpPr>
-      <mc:AlternateContent xmlns:mc="http://schemas.openxmlformats.org/markup-compatibility/2006">
-        <mc:Choice xmlns:a14="http://schemas.microsoft.com/office/drawing/2010/main" Requires="a14">
-          <p:sp>
-            <p:nvSpPr>
-              <p:cNvPr id="9" name="Прямоугольник 8"/>
-              <p:cNvSpPr/>
-              <p:nvPr/>
-            </p:nvSpPr>
-            <p:spPr>
-              <a:xfrm>
-                <a:off x="0" y="1487606"/>
-                <a:ext cx="12192000" cy="5008728"/>
-              </a:xfrm>
-              <a:prstGeom prst="rect">
-                <a:avLst/>
-              </a:prstGeom>
-              <a:solidFill>
-                <a:schemeClr val="bg1"/>
-              </a:solidFill>
-              <a:ln>
-                <a:solidFill>
-                  <a:schemeClr val="bg1"/>
-                </a:solidFill>
-              </a:ln>
-            </p:spPr>
-            <p:style>
-              <a:lnRef idx="2">
-                <a:schemeClr val="accent1">
-                  <a:shade val="50000"/>
-                </a:schemeClr>
-              </a:lnRef>
-              <a:fillRef idx="1">
-                <a:schemeClr val="accent1"/>
-              </a:fillRef>
-              <a:effectRef idx="0">
-                <a:schemeClr val="accent1"/>
-              </a:effectRef>
-              <a:fontRef idx="minor">
-                <a:schemeClr val="lt1"/>
-              </a:fontRef>
-            </p:style>
-            <p:txBody>
-              <a:bodyPr rtlCol="0" anchor="ctr"/>
-              <a:lstStyle/>
-              <a:p>
-                <a:pPr algn="ctr"/>
-                <a14:m>
-                  <m:oMath xmlns:m="http://schemas.openxmlformats.org/officeDocument/2006/math">
-                    <m:sSubSup>
-                      <m:sSubSupPr>
-                        <m:ctrlPr>
-                          <a:rPr lang="ru-RU" i="1">
-                            <a:latin typeface="Cambria Math" panose="02040503050406030204" pitchFamily="18" charset="0"/>
-                          </a:rPr>
-                        </m:ctrlPr>
-                      </m:sSubSupPr>
-                      <m:e>
-                        <m:r>
-                          <a:rPr lang="en-US" i="1">
-                            <a:latin typeface="Cambria Math" panose="02040503050406030204" pitchFamily="18" charset="0"/>
-                          </a:rPr>
-                          <m:t>𝐸</m:t>
-                        </m:r>
-                      </m:e>
-                      <m:sub>
-                        <m:r>
-                          <a:rPr lang="ru-RU" i="1">
-                            <a:latin typeface="Cambria Math" panose="02040503050406030204" pitchFamily="18" charset="0"/>
-                          </a:rPr>
-                          <m:t>0</m:t>
-                        </m:r>
-                      </m:sub>
-                      <m:sup>
-                        <m:r>
-                          <a:rPr lang="ru-RU" i="1">
-                            <a:latin typeface="Cambria Math" panose="02040503050406030204" pitchFamily="18" charset="0"/>
-                          </a:rPr>
-                          <m:t>(</m:t>
-                        </m:r>
-                        <m:r>
-                          <a:rPr lang="en-US" i="1">
-                            <a:latin typeface="Cambria Math" panose="02040503050406030204" pitchFamily="18" charset="0"/>
-                          </a:rPr>
-                          <m:t>𝑛</m:t>
-                        </m:r>
-                        <m:r>
-                          <a:rPr lang="ru-RU" i="1">
-                            <a:latin typeface="Cambria Math" panose="02040503050406030204" pitchFamily="18" charset="0"/>
-                          </a:rPr>
-                          <m:t>)</m:t>
-                        </m:r>
-                      </m:sup>
-                    </m:sSubSup>
-                    <m:r>
-                      <a:rPr lang="ru-RU" i="1">
-                        <a:latin typeface="Cambria Math" panose="02040503050406030204" pitchFamily="18" charset="0"/>
-                      </a:rPr>
-                      <m:t>,</m:t>
-                    </m:r>
-                  </m:oMath>
-                </a14:m>
-                <a:r>
-                  <a:rPr lang="ru-RU" dirty="0"/>
-                  <a:t> </a:t>
-                </a:r>
-                <a14:m>
-                  <m:oMath xmlns:m="http://schemas.openxmlformats.org/officeDocument/2006/math">
-                    <m:sSubSup>
-                      <m:sSubSupPr>
-                        <m:ctrlPr>
-                          <a:rPr lang="ru-RU" i="1">
-                            <a:latin typeface="Cambria Math" panose="02040503050406030204" pitchFamily="18" charset="0"/>
-                          </a:rPr>
-                        </m:ctrlPr>
-                      </m:sSubSupPr>
-                      <m:e>
-                        <m:r>
-                          <a:rPr lang="en-US" i="1">
-                            <a:latin typeface="Cambria Math" panose="02040503050406030204" pitchFamily="18" charset="0"/>
-                          </a:rPr>
-                          <m:t>𝐸</m:t>
-                        </m:r>
-                      </m:e>
-                      <m:sub>
-                        <m:r>
-                          <a:rPr lang="ru-RU" i="1">
-                            <a:latin typeface="Cambria Math" panose="02040503050406030204" pitchFamily="18" charset="0"/>
-                          </a:rPr>
-                          <m:t>∗</m:t>
-                        </m:r>
-                      </m:sub>
-                      <m:sup>
-                        <m:r>
-                          <a:rPr lang="ru-RU" i="1">
-                            <a:latin typeface="Cambria Math" panose="02040503050406030204" pitchFamily="18" charset="0"/>
-                          </a:rPr>
-                          <m:t>(</m:t>
-                        </m:r>
-                        <m:r>
-                          <a:rPr lang="en-US" i="1">
-                            <a:latin typeface="Cambria Math" panose="02040503050406030204" pitchFamily="18" charset="0"/>
-                          </a:rPr>
-                          <m:t>𝑛</m:t>
-                        </m:r>
-                        <m:r>
-                          <a:rPr lang="ru-RU" i="1">
-                            <a:latin typeface="Cambria Math" panose="02040503050406030204" pitchFamily="18" charset="0"/>
-                          </a:rPr>
-                          <m:t>)</m:t>
-                        </m:r>
-                      </m:sup>
-                    </m:sSubSup>
-                    <m:r>
-                      <a:rPr lang="ru-RU" i="1">
-                        <a:latin typeface="Cambria Math" panose="02040503050406030204" pitchFamily="18" charset="0"/>
-                      </a:rPr>
-                      <m:t>,</m:t>
-                    </m:r>
-                    <m:sSubSup>
-                      <m:sSubSupPr>
-                        <m:ctrlPr>
-                          <a:rPr lang="ru-RU" i="1">
-                            <a:latin typeface="Cambria Math" panose="02040503050406030204" pitchFamily="18" charset="0"/>
-                          </a:rPr>
-                        </m:ctrlPr>
-                      </m:sSubSupPr>
-                      <m:e>
-                        <m:r>
-                          <a:rPr lang="en-US" i="1">
-                            <a:latin typeface="Cambria Math" panose="02040503050406030204" pitchFamily="18" charset="0"/>
-                          </a:rPr>
-                          <m:t>𝐸</m:t>
-                        </m:r>
-                      </m:e>
-                      <m:sub>
-                        <m:r>
-                          <a:rPr lang="ru-RU" i="1">
-                            <a:latin typeface="Cambria Math" panose="02040503050406030204" pitchFamily="18" charset="0"/>
-                          </a:rPr>
-                          <m:t>1</m:t>
-                        </m:r>
-                      </m:sub>
-                      <m:sup>
-                        <m:r>
-                          <a:rPr lang="ru-RU" i="1">
-                            <a:latin typeface="Cambria Math" panose="02040503050406030204" pitchFamily="18" charset="0"/>
-                          </a:rPr>
-                          <m:t>(</m:t>
-                        </m:r>
-                        <m:r>
-                          <a:rPr lang="en-US" i="1">
-                            <a:latin typeface="Cambria Math" panose="02040503050406030204" pitchFamily="18" charset="0"/>
-                          </a:rPr>
-                          <m:t>𝑛</m:t>
-                        </m:r>
-                        <m:r>
-                          <a:rPr lang="ru-RU" i="1">
-                            <a:latin typeface="Cambria Math" panose="02040503050406030204" pitchFamily="18" charset="0"/>
-                          </a:rPr>
-                          <m:t>)</m:t>
-                        </m:r>
-                      </m:sup>
-                    </m:sSubSup>
-                  </m:oMath>
-                </a14:m>
-                <a:endParaRPr lang="ru-RU"/>
-              </a:p>
-            </p:txBody>
-          </p:sp>
-        </mc:Choice>
-        <mc:Fallback>
-          <p:sp>
-            <p:nvSpPr>
-              <p:cNvPr id="9" name="Прямоугольник 8"/>
-              <p:cNvSpPr>
-                <a:spLocks noRot="1" noChangeAspect="1" noMove="1" noResize="1" noEditPoints="1" noAdjustHandles="1" noChangeArrowheads="1" noChangeShapeType="1" noTextEdit="1"/>
-              </p:cNvSpPr>
-              <p:nvPr/>
-            </p:nvSpPr>
-            <p:spPr>
-              <a:xfrm>
-                <a:off x="0" y="1487606"/>
-                <a:ext cx="12192000" cy="5008728"/>
-              </a:xfrm>
-              <a:prstGeom prst="rect">
-                <a:avLst/>
-              </a:prstGeom>
-              <a:blipFill>
-                <a:blip r:embed="rId2"/>
-                <a:stretch>
-                  <a:fillRect/>
-                </a:stretch>
-              </a:blipFill>
-              <a:ln>
-                <a:solidFill>
-                  <a:schemeClr val="bg1"/>
-                </a:solidFill>
-              </a:ln>
-            </p:spPr>
-            <p:txBody>
-              <a:bodyPr/>
-              <a:lstStyle/>
-              <a:p>
-                <a:r>
-                  <a:rPr lang="ru-RU">
-                    <a:noFill/>
-                  </a:rPr>
-                  <a:t> </a:t>
-                </a:r>
-              </a:p>
-            </p:txBody>
-          </p:sp>
-        </mc:Fallback>
-      </mc:AlternateContent>
-      <p:sp>
-        <p:nvSpPr>
-          <p:cNvPr id="2" name="Заголовок 1"/>
-          <p:cNvSpPr>
-            <a:spLocks noGrp="1"/>
-          </p:cNvSpPr>
-          <p:nvPr>
-            <p:ph type="title"/>
-          </p:nvPr>
-        </p:nvSpPr>
-        <p:spPr>
-          <a:xfrm>
-            <a:off x="254000" y="922422"/>
-            <a:ext cx="10515600" cy="565184"/>
-          </a:xfrm>
-        </p:spPr>
-        <p:txBody>
-          <a:bodyPr>
-            <a:normAutofit fontScale="90000"/>
-          </a:bodyPr>
-          <a:lstStyle/>
-          <a:p>
-            <a:r>
-              <a:rPr lang="ru-RU" sz="3600" dirty="0" smtClean="0">
-                <a:solidFill>
-                  <a:schemeClr val="bg1"/>
-                </a:solidFill>
-                <a:latin typeface="Times New Roman" panose="02020603050405020304" pitchFamily="18" charset="0"/>
-              </a:rPr>
-              <a:t>Результаты работы</a:t>
-            </a:r>
-            <a:endParaRPr lang="ru-RU" sz="3600" dirty="0">
-              <a:solidFill>
-                <a:schemeClr val="bg1"/>
-              </a:solidFill>
-              <a:latin typeface="Times New Roman" panose="02020603050405020304" pitchFamily="18" charset="0"/>
-            </a:endParaRPr>
           </a:p>
         </p:txBody>
       </p:sp>
       <p:pic>
         <p:nvPicPr>
-          <p:cNvPr id="5" name="Рисунок 4"/>
+          <p:cNvPr id="6" name="Рисунок 5"/>
           <p:cNvPicPr>
             <a:picLocks noChangeAspect="1"/>
           </p:cNvPicPr>
           <p:nvPr/>
         </p:nvPicPr>
         <p:blipFill>
-          <a:blip r:embed="rId3" cstate="print">
+          <a:blip r:embed="rId4">
             <a:extLst>
               <a:ext uri="{28A0092B-C50C-407E-A947-70E740481C1C}">
                 <a14:useLocalDpi xmlns:a14="http://schemas.microsoft.com/office/drawing/2010/main" val="0"/>
@@ -9598,440 +10803,78 @@
         </p:blipFill>
         <p:spPr>
           <a:xfrm>
-            <a:off x="978568" y="16042"/>
-            <a:ext cx="10234864" cy="866274"/>
+            <a:off x="10321732" y="4326478"/>
+            <a:ext cx="1783399" cy="2093191"/>
           </a:xfrm>
           <a:prstGeom prst="rect">
             <a:avLst/>
           </a:prstGeom>
-          <a:noFill/>
         </p:spPr>
       </p:pic>
-      <p:sp>
-        <p:nvSpPr>
-          <p:cNvPr id="10" name="Овал 9"/>
-          <p:cNvSpPr/>
+      <p:pic>
+        <p:nvPicPr>
+          <p:cNvPr id="11" name="Рисунок 10"/>
+          <p:cNvPicPr>
+            <a:picLocks noChangeAspect="1"/>
+          </p:cNvPicPr>
           <p:nvPr/>
-        </p:nvSpPr>
+        </p:nvPicPr>
+        <p:blipFill>
+          <a:blip r:embed="rId5">
+            <a:extLst>
+              <a:ext uri="{28A0092B-C50C-407E-A947-70E740481C1C}">
+                <a14:useLocalDpi xmlns:a14="http://schemas.microsoft.com/office/drawing/2010/main" val="0"/>
+              </a:ext>
+            </a:extLst>
+          </a:blip>
+          <a:stretch>
+            <a:fillRect/>
+          </a:stretch>
+        </p:blipFill>
         <p:spPr>
           <a:xfrm>
-            <a:off x="11462084" y="141078"/>
-            <a:ext cx="628403" cy="616202"/>
-          </a:xfrm>
-          <a:prstGeom prst="ellipse">
-            <a:avLst/>
-          </a:prstGeom>
-          <a:solidFill>
-            <a:srgbClr val="2755A3"/>
-          </a:solidFill>
-        </p:spPr>
-        <p:style>
-          <a:lnRef idx="2">
-            <a:schemeClr val="accent4">
-              <a:shade val="50000"/>
-            </a:schemeClr>
-          </a:lnRef>
-          <a:fillRef idx="1">
-            <a:schemeClr val="accent4"/>
-          </a:fillRef>
-          <a:effectRef idx="0">
-            <a:schemeClr val="accent4"/>
-          </a:effectRef>
-          <a:fontRef idx="minor">
-            <a:schemeClr val="lt1"/>
-          </a:fontRef>
-        </p:style>
-        <p:txBody>
-          <a:bodyPr rtlCol="0" anchor="ctr"/>
-          <a:lstStyle/>
-          <a:p>
-            <a:pPr algn="ctr"/>
-            <a:endParaRPr lang="ru-RU" dirty="0"/>
-          </a:p>
-        </p:txBody>
-      </p:sp>
-      <p:sp>
-        <p:nvSpPr>
-          <p:cNvPr id="8" name="Нижний колонтитул 8"/>
-          <p:cNvSpPr txBox="1">
-            <a:spLocks/>
-          </p:cNvSpPr>
-          <p:nvPr/>
-        </p:nvSpPr>
-        <p:spPr>
-          <a:xfrm>
-            <a:off x="8742217" y="6497082"/>
-            <a:ext cx="3722915" cy="365125"/>
+            <a:off x="9439435" y="2394408"/>
+            <a:ext cx="1590855" cy="1980614"/>
           </a:xfrm>
           <a:prstGeom prst="rect">
             <a:avLst/>
           </a:prstGeom>
-          <a:noFill/>
         </p:spPr>
-        <p:txBody>
-          <a:bodyPr vert="horz" lIns="91440" tIns="45720" rIns="91440" bIns="45720" rtlCol="0" anchor="ctr"/>
-          <a:lstStyle>
-            <a:defPPr>
-              <a:defRPr lang="ru-RU"/>
-            </a:defPPr>
-            <a:lvl1pPr marL="0" algn="ctr" defTabSz="914400" rtl="0" eaLnBrk="1" latinLnBrk="0" hangingPunct="1">
-              <a:defRPr sz="1200" kern="1200">
-                <a:solidFill>
-                  <a:schemeClr val="tx1">
-                    <a:tint val="75000"/>
-                  </a:schemeClr>
-                </a:solidFill>
-                <a:latin typeface="+mn-lt"/>
-                <a:ea typeface="+mn-ea"/>
-                <a:cs typeface="+mn-cs"/>
-              </a:defRPr>
-            </a:lvl1pPr>
-            <a:lvl2pPr marL="457200" algn="l" defTabSz="914400" rtl="0" eaLnBrk="1" latinLnBrk="0" hangingPunct="1">
-              <a:defRPr sz="1800" kern="1200">
-                <a:solidFill>
-                  <a:schemeClr val="tx1"/>
-                </a:solidFill>
-                <a:latin typeface="+mn-lt"/>
-                <a:ea typeface="+mn-ea"/>
-                <a:cs typeface="+mn-cs"/>
-              </a:defRPr>
-            </a:lvl2pPr>
-            <a:lvl3pPr marL="914400" algn="l" defTabSz="914400" rtl="0" eaLnBrk="1" latinLnBrk="0" hangingPunct="1">
-              <a:defRPr sz="1800" kern="1200">
-                <a:solidFill>
-                  <a:schemeClr val="tx1"/>
-                </a:solidFill>
-                <a:latin typeface="+mn-lt"/>
-                <a:ea typeface="+mn-ea"/>
-                <a:cs typeface="+mn-cs"/>
-              </a:defRPr>
-            </a:lvl3pPr>
-            <a:lvl4pPr marL="1371600" algn="l" defTabSz="914400" rtl="0" eaLnBrk="1" latinLnBrk="0" hangingPunct="1">
-              <a:defRPr sz="1800" kern="1200">
-                <a:solidFill>
-                  <a:schemeClr val="tx1"/>
-                </a:solidFill>
-                <a:latin typeface="+mn-lt"/>
-                <a:ea typeface="+mn-ea"/>
-                <a:cs typeface="+mn-cs"/>
-              </a:defRPr>
-            </a:lvl4pPr>
-            <a:lvl5pPr marL="1828800" algn="l" defTabSz="914400" rtl="0" eaLnBrk="1" latinLnBrk="0" hangingPunct="1">
-              <a:defRPr sz="1800" kern="1200">
-                <a:solidFill>
-                  <a:schemeClr val="tx1"/>
-                </a:solidFill>
-                <a:latin typeface="+mn-lt"/>
-                <a:ea typeface="+mn-ea"/>
-                <a:cs typeface="+mn-cs"/>
-              </a:defRPr>
-            </a:lvl5pPr>
-            <a:lvl6pPr marL="2286000" algn="l" defTabSz="914400" rtl="0" eaLnBrk="1" latinLnBrk="0" hangingPunct="1">
-              <a:defRPr sz="1800" kern="1200">
-                <a:solidFill>
-                  <a:schemeClr val="tx1"/>
-                </a:solidFill>
-                <a:latin typeface="+mn-lt"/>
-                <a:ea typeface="+mn-ea"/>
-                <a:cs typeface="+mn-cs"/>
-              </a:defRPr>
-            </a:lvl6pPr>
-            <a:lvl7pPr marL="2743200" algn="l" defTabSz="914400" rtl="0" eaLnBrk="1" latinLnBrk="0" hangingPunct="1">
-              <a:defRPr sz="1800" kern="1200">
-                <a:solidFill>
-                  <a:schemeClr val="tx1"/>
-                </a:solidFill>
-                <a:latin typeface="+mn-lt"/>
-                <a:ea typeface="+mn-ea"/>
-                <a:cs typeface="+mn-cs"/>
-              </a:defRPr>
-            </a:lvl7pPr>
-            <a:lvl8pPr marL="3200400" algn="l" defTabSz="914400" rtl="0" eaLnBrk="1" latinLnBrk="0" hangingPunct="1">
-              <a:defRPr sz="1800" kern="1200">
-                <a:solidFill>
-                  <a:schemeClr val="tx1"/>
-                </a:solidFill>
-                <a:latin typeface="+mn-lt"/>
-                <a:ea typeface="+mn-ea"/>
-                <a:cs typeface="+mn-cs"/>
-              </a:defRPr>
-            </a:lvl8pPr>
-            <a:lvl9pPr marL="3657600" algn="l" defTabSz="914400" rtl="0" eaLnBrk="1" latinLnBrk="0" hangingPunct="1">
-              <a:defRPr sz="1800" kern="1200">
-                <a:solidFill>
-                  <a:schemeClr val="tx1"/>
-                </a:solidFill>
-                <a:latin typeface="+mn-lt"/>
-                <a:ea typeface="+mn-ea"/>
-                <a:cs typeface="+mn-cs"/>
-              </a:defRPr>
-            </a:lvl9pPr>
-          </a:lstStyle>
-          <a:p>
-            <a:r>
-              <a:rPr lang="ru-RU" sz="1800" dirty="0" smtClean="0">
-                <a:solidFill>
-                  <a:schemeClr val="bg1"/>
-                </a:solidFill>
-                <a:latin typeface="Times New Roman" panose="02020603050405020304" pitchFamily="18" charset="0"/>
-                <a:cs typeface="Times New Roman" panose="02020603050405020304" pitchFamily="18" charset="0"/>
-              </a:rPr>
-              <a:t>Кафедра «Высшая математика </a:t>
-            </a:r>
-            <a:r>
-              <a:rPr lang="en-US" sz="1800" dirty="0" smtClean="0">
-                <a:solidFill>
-                  <a:schemeClr val="bg1"/>
-                </a:solidFill>
-                <a:latin typeface="Times New Roman" panose="02020603050405020304" pitchFamily="18" charset="0"/>
-                <a:cs typeface="Times New Roman" panose="02020603050405020304" pitchFamily="18" charset="0"/>
-              </a:rPr>
-              <a:t>I</a:t>
-            </a:r>
-            <a:r>
-              <a:rPr lang="ru-RU" sz="1800" dirty="0" smtClean="0">
-                <a:solidFill>
-                  <a:schemeClr val="bg1"/>
-                </a:solidFill>
-                <a:latin typeface="Times New Roman" panose="02020603050405020304" pitchFamily="18" charset="0"/>
-                <a:cs typeface="Times New Roman" panose="02020603050405020304" pitchFamily="18" charset="0"/>
-              </a:rPr>
-              <a:t>" </a:t>
-            </a:r>
-            <a:endParaRPr lang="ru-RU" sz="1800" dirty="0">
-              <a:solidFill>
-                <a:schemeClr val="bg1"/>
-              </a:solidFill>
-              <a:latin typeface="Times New Roman" panose="02020603050405020304" pitchFamily="18" charset="0"/>
-              <a:cs typeface="Times New Roman" panose="02020603050405020304" pitchFamily="18" charset="0"/>
-            </a:endParaRPr>
-          </a:p>
-        </p:txBody>
-      </p:sp>
-      <p:sp>
-        <p:nvSpPr>
-          <p:cNvPr id="7" name="TextBox 6"/>
-          <p:cNvSpPr txBox="1"/>
+      </p:pic>
+      <p:pic>
+        <p:nvPicPr>
+          <p:cNvPr id="12" name="Рисунок 11"/>
+          <p:cNvPicPr>
+            <a:picLocks noChangeAspect="1"/>
+          </p:cNvPicPr>
           <p:nvPr/>
-        </p:nvSpPr>
+        </p:nvPicPr>
+        <p:blipFill>
+          <a:blip r:embed="rId6">
+            <a:extLst>
+              <a:ext uri="{28A0092B-C50C-407E-A947-70E740481C1C}">
+                <a14:useLocalDpi xmlns:a14="http://schemas.microsoft.com/office/drawing/2010/main" val="0"/>
+              </a:ext>
+            </a:extLst>
+          </a:blip>
+          <a:stretch>
+            <a:fillRect/>
+          </a:stretch>
+        </p:blipFill>
         <p:spPr>
           <a:xfrm>
-            <a:off x="297957" y="1479102"/>
-            <a:ext cx="11709400" cy="6463308"/>
+            <a:off x="5841174" y="3629683"/>
+            <a:ext cx="4762500" cy="2867025"/>
           </a:xfrm>
           <a:prstGeom prst="rect">
             <a:avLst/>
           </a:prstGeom>
-          <a:noFill/>
         </p:spPr>
-        <p:txBody>
-          <a:bodyPr wrap="square" rtlCol="0">
-            <a:spAutoFit/>
-          </a:bodyPr>
-          <a:lstStyle/>
-          <a:p>
-            <a:pPr>
-              <a:lnSpc>
-                <a:spcPct val="130000"/>
-              </a:lnSpc>
-            </a:pPr>
-            <a:r>
-              <a:rPr lang="ru-RU" dirty="0" smtClean="0"/>
-              <a:t>	</a:t>
-            </a:r>
-            <a:r>
-              <a:rPr lang="ru-RU" sz="2000" dirty="0" smtClean="0"/>
-              <a:t>Результатов данной работы является разработанное на языке </a:t>
-            </a:r>
-            <a:r>
-              <a:rPr lang="en-US" sz="2000" dirty="0" smtClean="0"/>
-              <a:t>C++ </a:t>
-            </a:r>
-            <a:r>
-              <a:rPr lang="ru-RU" sz="2000" dirty="0" smtClean="0"/>
-              <a:t>приложение, которое содержит в себе функции:</a:t>
-            </a:r>
-          </a:p>
-          <a:p>
-            <a:pPr marL="342900" indent="-342900">
-              <a:lnSpc>
-                <a:spcPct val="130000"/>
-              </a:lnSpc>
-              <a:buFont typeface="Arial" panose="020B0604020202020204" pitchFamily="34" charset="0"/>
-              <a:buChar char="•"/>
-            </a:pPr>
-            <a:r>
-              <a:rPr lang="ru-RU" sz="2000" dirty="0" smtClean="0"/>
-              <a:t>Шифрование текстов с помощью регистров линейного сдвига с обратной связью;</a:t>
-            </a:r>
-          </a:p>
-          <a:p>
-            <a:pPr marL="342900" indent="-342900">
-              <a:lnSpc>
-                <a:spcPct val="130000"/>
-              </a:lnSpc>
-              <a:buFont typeface="Arial" panose="020B0604020202020204" pitchFamily="34" charset="0"/>
-              <a:buChar char="•"/>
-            </a:pPr>
-            <a:r>
-              <a:rPr lang="ru-RU" sz="2000" dirty="0" smtClean="0"/>
-              <a:t>Применение критерия </a:t>
-            </a:r>
-            <a:r>
-              <a:rPr lang="ru-RU" sz="2000" dirty="0" err="1" smtClean="0"/>
-              <a:t>Вальда</a:t>
-            </a:r>
-            <a:r>
-              <a:rPr lang="ru-RU" sz="2000" dirty="0" smtClean="0"/>
-              <a:t>;</a:t>
-            </a:r>
-          </a:p>
-          <a:p>
-            <a:pPr marL="342900" indent="-342900">
-              <a:lnSpc>
-                <a:spcPct val="130000"/>
-              </a:lnSpc>
-              <a:buFont typeface="Arial" panose="020B0604020202020204" pitchFamily="34" charset="0"/>
-              <a:buChar char="•"/>
-            </a:pPr>
-            <a:r>
-              <a:rPr lang="ru-RU" sz="2000" dirty="0" smtClean="0"/>
-              <a:t>Применение критерия запрещенных биграмм;</a:t>
-            </a:r>
-          </a:p>
-          <a:p>
-            <a:pPr marL="342900" indent="-342900">
-              <a:lnSpc>
-                <a:spcPct val="130000"/>
-              </a:lnSpc>
-              <a:buFont typeface="Arial" panose="020B0604020202020204" pitchFamily="34" charset="0"/>
-              <a:buChar char="•"/>
-            </a:pPr>
-            <a:r>
-              <a:rPr lang="ru-RU" sz="2000" dirty="0" smtClean="0"/>
-              <a:t>Расшифровывание текста с помощью полного перебора ключей;</a:t>
-            </a:r>
-          </a:p>
-          <a:p>
-            <a:pPr marL="342900" indent="-342900">
-              <a:lnSpc>
-                <a:spcPct val="130000"/>
-              </a:lnSpc>
-              <a:buFont typeface="Arial" panose="020B0604020202020204" pitchFamily="34" charset="0"/>
-              <a:buChar char="•"/>
-            </a:pPr>
-            <a:r>
-              <a:rPr lang="ru-RU" sz="2000" dirty="0" smtClean="0"/>
-              <a:t>Распознавание авторства текса;</a:t>
-            </a:r>
-          </a:p>
-          <a:p>
-            <a:pPr marL="342900" indent="-342900">
-              <a:lnSpc>
-                <a:spcPct val="130000"/>
-              </a:lnSpc>
-              <a:buFont typeface="Arial" panose="020B0604020202020204" pitchFamily="34" charset="0"/>
-              <a:buChar char="•"/>
-            </a:pPr>
-            <a:r>
-              <a:rPr lang="ru-RU" sz="2000" dirty="0" smtClean="0"/>
-              <a:t>Распознавание кодировок.</a:t>
-            </a:r>
-            <a:endParaRPr lang="ru-RU" sz="2000" dirty="0"/>
-          </a:p>
-          <a:p>
-            <a:pPr>
-              <a:lnSpc>
-                <a:spcPct val="130000"/>
-              </a:lnSpc>
-            </a:pPr>
-            <a:r>
-              <a:rPr lang="ru-RU" sz="2000" dirty="0" smtClean="0"/>
-              <a:t>Основными направления развития приложения будут служить:</a:t>
-            </a:r>
-          </a:p>
-          <a:p>
-            <a:pPr marL="342900" indent="-342900">
-              <a:lnSpc>
-                <a:spcPct val="130000"/>
-              </a:lnSpc>
-              <a:buFont typeface="Arial" panose="020B0604020202020204" pitchFamily="34" charset="0"/>
-              <a:buChar char="•"/>
-            </a:pPr>
-            <a:r>
-              <a:rPr lang="ru-RU" sz="2000" dirty="0" smtClean="0"/>
-              <a:t>Оптимизация программы и ускорение ее работы;</a:t>
-            </a:r>
-          </a:p>
-          <a:p>
-            <a:pPr marL="342900" indent="-342900">
-              <a:lnSpc>
-                <a:spcPct val="130000"/>
-              </a:lnSpc>
-              <a:buFont typeface="Arial" panose="020B0604020202020204" pitchFamily="34" charset="0"/>
-              <a:buChar char="•"/>
-            </a:pPr>
-            <a:r>
-              <a:rPr lang="ru-RU" sz="2000" dirty="0" smtClean="0"/>
-              <a:t>Реализация критериев с помощью решающих лесов;</a:t>
-            </a:r>
-          </a:p>
-          <a:p>
-            <a:pPr marL="342900" indent="-342900">
-              <a:lnSpc>
-                <a:spcPct val="130000"/>
-              </a:lnSpc>
-              <a:buFont typeface="Arial" panose="020B0604020202020204" pitchFamily="34" charset="0"/>
-              <a:buChar char="•"/>
-            </a:pPr>
-            <a:r>
-              <a:rPr lang="ru-RU" sz="2000" dirty="0" smtClean="0"/>
-              <a:t>Применение реализованного критерия в задаче классификации открытых и закрытых текстов.</a:t>
-            </a:r>
-          </a:p>
-          <a:p>
-            <a:pPr marL="342900" indent="-342900">
-              <a:lnSpc>
-                <a:spcPct val="130000"/>
-              </a:lnSpc>
-              <a:buFont typeface="Arial" panose="020B0604020202020204" pitchFamily="34" charset="0"/>
-              <a:buChar char="•"/>
-            </a:pPr>
-            <a:endParaRPr lang="ru-RU" sz="2000" dirty="0" smtClean="0"/>
-          </a:p>
-          <a:p>
-            <a:pPr marL="342900" indent="-342900">
-              <a:lnSpc>
-                <a:spcPct val="130000"/>
-              </a:lnSpc>
-              <a:buFont typeface="Arial" panose="020B0604020202020204" pitchFamily="34" charset="0"/>
-              <a:buChar char="•"/>
-            </a:pPr>
-            <a:endParaRPr lang="ru-RU" sz="2000" dirty="0" smtClean="0"/>
-          </a:p>
-          <a:p>
-            <a:pPr marL="342900" indent="-342900">
-              <a:lnSpc>
-                <a:spcPct val="130000"/>
-              </a:lnSpc>
-              <a:buFont typeface="Arial" panose="020B0604020202020204" pitchFamily="34" charset="0"/>
-              <a:buChar char="•"/>
-            </a:pPr>
-            <a:endParaRPr lang="ru-RU" sz="2000" dirty="0" smtClean="0"/>
-          </a:p>
-          <a:p>
-            <a:pPr marL="342900" indent="-342900">
-              <a:buFont typeface="Arial" panose="020B0604020202020204" pitchFamily="34" charset="0"/>
-              <a:buChar char="•"/>
-            </a:pPr>
-            <a:endParaRPr lang="ru-RU" sz="2400" dirty="0"/>
-          </a:p>
-        </p:txBody>
-      </p:sp>
+      </p:pic>
     </p:spTree>
     <p:extLst>
       <p:ext uri="{BB962C8B-B14F-4D97-AF65-F5344CB8AC3E}">
-        <p14:creationId xmlns:p14="http://schemas.microsoft.com/office/powerpoint/2010/main" val="2205110760"/>
+        <p14:creationId xmlns:p14="http://schemas.microsoft.com/office/powerpoint/2010/main" val="1140961263"/>
       </p:ext>
     </p:extLst>
   </p:cSld>
